--- a/Git_GitHub.pptx
+++ b/Git_GitHub.pptx
@@ -1270,31 +1270,7 @@
                 <a:ea typeface="+mn-ea"/>
                 <a:cs typeface="+mn-cs"/>
               </a:rPr>
-              <a:t> branch name </a:t>
-            </a:r>
-            <a:r>
-              <a:rPr lang="en-GB" sz="1200" b="0" i="0" kern="1200">
-                <a:solidFill>
-                  <a:schemeClr val="tx1"/>
-                </a:solidFill>
-                <a:effectLst/>
-                <a:latin typeface="+mn-lt"/>
-                <a:ea typeface="+mn-ea"/>
-                <a:cs typeface="+mn-cs"/>
-              </a:rPr>
-              <a:t>in git config </a:t>
-            </a:r>
-            <a:r>
-              <a:rPr lang="en-GB" sz="1200" b="0" i="0" kern="1200" dirty="0">
-                <a:solidFill>
-                  <a:schemeClr val="tx1"/>
-                </a:solidFill>
-                <a:effectLst/>
-                <a:latin typeface="+mn-lt"/>
-                <a:ea typeface="+mn-ea"/>
-                <a:cs typeface="+mn-cs"/>
-              </a:rPr>
-              <a:t>file.</a:t>
+              <a:t> branch name in git config file.</a:t>
             </a:r>
             <a:endParaRPr lang="en-NL" dirty="0"/>
           </a:p>
@@ -18206,8 +18182,8 @@
         </p:nvSpPr>
         <p:spPr>
           <a:xfrm>
-            <a:off x="1492869" y="1227719"/>
-            <a:ext cx="3028012" cy="1744694"/>
+            <a:off x="190007" y="685062"/>
+            <a:ext cx="4330874" cy="3218838"/>
           </a:xfrm>
           <a:prstGeom prst="roundRect">
             <a:avLst/>
@@ -18279,12 +18255,26 @@
             </a:r>
           </a:p>
           <a:p>
+            <a:pPr marL="285750" indent="-285750">
+              <a:buFont typeface="Wingdings" pitchFamily="2" charset="2"/>
+              <a:buChar char="§"/>
+            </a:pPr>
             <a:r>
               <a:rPr lang="en-US" sz="1600" dirty="0">
                 <a:solidFill>
                   <a:schemeClr val="tx1"/>
                 </a:solidFill>
               </a:rPr>
+              <a:t>Only remote origin master to </a:t>
+            </a:r>
+          </a:p>
+          <a:p>
+            <a:r>
+              <a:rPr lang="en-US" sz="1600" dirty="0">
+                <a:solidFill>
+                  <a:schemeClr val="tx1"/>
+                </a:solidFill>
+              </a:rPr>
               <a:t>$ git merge calculation-divide</a:t>
             </a:r>
           </a:p>
@@ -18297,6 +18287,73 @@
               </a:rPr>
               <a:t>$ git push origin master</a:t>
             </a:r>
+          </a:p>
+          <a:p>
+            <a:pPr marL="285750" indent="-285750">
+              <a:buFont typeface="Wingdings" pitchFamily="2" charset="2"/>
+              <a:buChar char="§"/>
+            </a:pPr>
+            <a:r>
+              <a:rPr lang="en-US" sz="1600" dirty="0">
+                <a:solidFill>
+                  <a:schemeClr val="tx1"/>
+                </a:solidFill>
+              </a:rPr>
+              <a:t>Only branch master pushed to remote</a:t>
+            </a:r>
+          </a:p>
+          <a:p>
+            <a:r>
+              <a:rPr lang="en-US" sz="1600" dirty="0">
+                <a:solidFill>
+                  <a:schemeClr val="tx1"/>
+                </a:solidFill>
+              </a:rPr>
+              <a:t>$ git push origin test</a:t>
+            </a:r>
+          </a:p>
+          <a:p>
+            <a:pPr marL="285750" indent="-285750">
+              <a:buFont typeface="Wingdings" pitchFamily="2" charset="2"/>
+              <a:buChar char="§"/>
+            </a:pPr>
+            <a:r>
+              <a:rPr lang="en-US" sz="1600" dirty="0">
+                <a:solidFill>
+                  <a:schemeClr val="tx1"/>
+                </a:solidFill>
+              </a:rPr>
+              <a:t>Test branch loaded in remote</a:t>
+            </a:r>
+          </a:p>
+          <a:p>
+            <a:r>
+              <a:rPr lang="en-US" sz="1600" dirty="0">
+                <a:solidFill>
+                  <a:schemeClr val="tx1"/>
+                </a:solidFill>
+              </a:rPr>
+              <a:t>$ git push origin --delete test</a:t>
+            </a:r>
+          </a:p>
+          <a:p>
+            <a:pPr marL="285750" indent="-285750">
+              <a:buFont typeface="Wingdings" pitchFamily="2" charset="2"/>
+              <a:buChar char="§"/>
+            </a:pPr>
+            <a:r>
+              <a:rPr lang="en-US" sz="1600">
+                <a:solidFill>
+                  <a:schemeClr val="tx1"/>
+                </a:solidFill>
+              </a:rPr>
+              <a:t>Remote test deleted </a:t>
+            </a:r>
+            <a:endParaRPr lang="en-US" sz="1600" dirty="0">
+              <a:solidFill>
+                <a:schemeClr val="tx1"/>
+              </a:solidFill>
+            </a:endParaRPr>
           </a:p>
         </p:txBody>
       </p:sp>

--- a/Git_GitHub.pptx
+++ b/Git_GitHub.pptx
@@ -5,7 +5,7 @@
     <p:sldMasterId id="2147483648" r:id="rId1"/>
   </p:sldMasterIdLst>
   <p:notesMasterIdLst>
-    <p:notesMasterId r:id="rId27"/>
+    <p:notesMasterId r:id="rId25"/>
   </p:notesMasterIdLst>
   <p:sldIdLst>
     <p:sldId id="304" r:id="rId2"/>
@@ -27,12 +27,10 @@
     <p:sldId id="271" r:id="rId18"/>
     <p:sldId id="272" r:id="rId19"/>
     <p:sldId id="303" r:id="rId20"/>
-    <p:sldId id="306" r:id="rId21"/>
-    <p:sldId id="261" r:id="rId22"/>
-    <p:sldId id="273" r:id="rId23"/>
-    <p:sldId id="299" r:id="rId24"/>
-    <p:sldId id="300" r:id="rId25"/>
-    <p:sldId id="302" r:id="rId26"/>
+    <p:sldId id="273" r:id="rId21"/>
+    <p:sldId id="299" r:id="rId22"/>
+    <p:sldId id="300" r:id="rId23"/>
+    <p:sldId id="302" r:id="rId24"/>
   </p:sldIdLst>
   <p:sldSz cx="12192000" cy="6858000"/>
   <p:notesSz cx="6858000" cy="9144000"/>
@@ -951,358 +949,6 @@
     <p:extLst>
       <p:ext uri="{BB962C8B-B14F-4D97-AF65-F5344CB8AC3E}">
         <p14:creationId xmlns:p14="http://schemas.microsoft.com/office/powerpoint/2010/main" val="2809314439"/>
-      </p:ext>
-    </p:extLst>
-  </p:cSld>
-  <p:clrMapOvr>
-    <a:masterClrMapping/>
-  </p:clrMapOvr>
-</p:notes>
-</file>
-
-<file path=ppt/notesSlides/notesSlide6.xml><?xml version="1.0" encoding="utf-8"?>
-<p:notes xmlns:a="http://schemas.openxmlformats.org/drawingml/2006/main" xmlns:r="http://schemas.openxmlformats.org/officeDocument/2006/relationships" xmlns:p="http://schemas.openxmlformats.org/presentationml/2006/main">
-  <p:cSld>
-    <p:spTree>
-      <p:nvGrpSpPr>
-        <p:cNvPr id="1" name=""/>
-        <p:cNvGrpSpPr/>
-        <p:nvPr/>
-      </p:nvGrpSpPr>
-      <p:grpSpPr>
-        <a:xfrm>
-          <a:off x="0" y="0"/>
-          <a:ext cx="0" cy="0"/>
-          <a:chOff x="0" y="0"/>
-          <a:chExt cx="0" cy="0"/>
-        </a:xfrm>
-      </p:grpSpPr>
-      <p:sp>
-        <p:nvSpPr>
-          <p:cNvPr id="2" name="Slide Image Placeholder 1"/>
-          <p:cNvSpPr>
-            <a:spLocks noGrp="1" noRot="1" noChangeAspect="1"/>
-          </p:cNvSpPr>
-          <p:nvPr>
-            <p:ph type="sldImg"/>
-          </p:nvPr>
-        </p:nvSpPr>
-        <p:spPr/>
-      </p:sp>
-      <p:sp>
-        <p:nvSpPr>
-          <p:cNvPr id="3" name="Notes Placeholder 2"/>
-          <p:cNvSpPr>
-            <a:spLocks noGrp="1"/>
-          </p:cNvSpPr>
-          <p:nvPr>
-            <p:ph type="body" idx="1"/>
-          </p:nvPr>
-        </p:nvSpPr>
-        <p:spPr/>
-        <p:txBody>
-          <a:bodyPr/>
-          <a:lstStyle/>
-          <a:p>
-            <a:r>
-              <a:rPr lang="en-GB" sz="1200" b="1" i="0" kern="1200" dirty="0">
-                <a:solidFill>
-                  <a:schemeClr val="tx1"/>
-                </a:solidFill>
-                <a:effectLst/>
-                <a:latin typeface="+mn-lt"/>
-                <a:ea typeface="+mn-ea"/>
-                <a:cs typeface="+mn-cs"/>
-              </a:rPr>
-              <a:t>git pull origin master</a:t>
-            </a:r>
-            <a:r>
-              <a:rPr lang="en-GB" sz="1200" b="0" i="0" kern="1200" dirty="0">
-                <a:solidFill>
-                  <a:schemeClr val="tx1"/>
-                </a:solidFill>
-                <a:effectLst/>
-                <a:latin typeface="+mn-lt"/>
-                <a:ea typeface="+mn-ea"/>
-                <a:cs typeface="+mn-cs"/>
-              </a:rPr>
-              <a:t> will </a:t>
-            </a:r>
-            <a:r>
-              <a:rPr lang="en-GB" sz="1200" b="1" i="0" kern="1200" dirty="0">
-                <a:solidFill>
-                  <a:schemeClr val="tx1"/>
-                </a:solidFill>
-                <a:effectLst/>
-                <a:latin typeface="+mn-lt"/>
-                <a:ea typeface="+mn-ea"/>
-                <a:cs typeface="+mn-cs"/>
-              </a:rPr>
-              <a:t>pull</a:t>
-            </a:r>
-            <a:r>
-              <a:rPr lang="en-GB" sz="1200" b="0" i="0" kern="1200" dirty="0">
-                <a:solidFill>
-                  <a:schemeClr val="tx1"/>
-                </a:solidFill>
-                <a:effectLst/>
-                <a:latin typeface="+mn-lt"/>
-                <a:ea typeface="+mn-ea"/>
-                <a:cs typeface="+mn-cs"/>
-              </a:rPr>
-              <a:t> changes from the </a:t>
-            </a:r>
-            <a:r>
-              <a:rPr lang="en-GB" sz="1200" b="1" i="0" kern="1200" dirty="0">
-                <a:solidFill>
-                  <a:schemeClr val="tx1"/>
-                </a:solidFill>
-                <a:effectLst/>
-                <a:latin typeface="+mn-lt"/>
-                <a:ea typeface="+mn-ea"/>
-                <a:cs typeface="+mn-cs"/>
-              </a:rPr>
-              <a:t>origin remote</a:t>
-            </a:r>
-            <a:r>
-              <a:rPr lang="en-GB" sz="1200" b="0" i="0" kern="1200" dirty="0">
-                <a:solidFill>
-                  <a:schemeClr val="tx1"/>
-                </a:solidFill>
-                <a:effectLst/>
-                <a:latin typeface="+mn-lt"/>
-                <a:ea typeface="+mn-ea"/>
-                <a:cs typeface="+mn-cs"/>
-              </a:rPr>
-              <a:t>, </a:t>
-            </a:r>
-            <a:r>
-              <a:rPr lang="en-GB" sz="1200" b="1" i="0" kern="1200" dirty="0">
-                <a:solidFill>
-                  <a:schemeClr val="tx1"/>
-                </a:solidFill>
-                <a:effectLst/>
-                <a:latin typeface="+mn-lt"/>
-                <a:ea typeface="+mn-ea"/>
-                <a:cs typeface="+mn-cs"/>
-              </a:rPr>
-              <a:t>master</a:t>
-            </a:r>
-            <a:r>
-              <a:rPr lang="en-GB" sz="1200" b="0" i="0" kern="1200" dirty="0">
-                <a:solidFill>
-                  <a:schemeClr val="tx1"/>
-                </a:solidFill>
-                <a:effectLst/>
-                <a:latin typeface="+mn-lt"/>
-                <a:ea typeface="+mn-ea"/>
-                <a:cs typeface="+mn-cs"/>
-              </a:rPr>
-              <a:t> branch </a:t>
-            </a:r>
-            <a:r>
-              <a:rPr lang="en-GB" sz="1200" b="1" i="0" kern="1200" dirty="0">
-                <a:solidFill>
-                  <a:schemeClr val="tx1"/>
-                </a:solidFill>
-                <a:effectLst/>
-                <a:latin typeface="+mn-lt"/>
-                <a:ea typeface="+mn-ea"/>
-                <a:cs typeface="+mn-cs"/>
-              </a:rPr>
-              <a:t>and</a:t>
-            </a:r>
-            <a:r>
-              <a:rPr lang="en-GB" sz="1200" b="0" i="0" kern="1200" dirty="0">
-                <a:solidFill>
-                  <a:schemeClr val="tx1"/>
-                </a:solidFill>
-                <a:effectLst/>
-                <a:latin typeface="+mn-lt"/>
-                <a:ea typeface="+mn-ea"/>
-                <a:cs typeface="+mn-cs"/>
-              </a:rPr>
-              <a:t> merge them to the local checked-out branch. </a:t>
-            </a:r>
-          </a:p>
-          <a:p>
-            <a:r>
-              <a:rPr lang="en-GB" sz="1200" b="0" i="0" kern="1200" dirty="0">
-                <a:solidFill>
-                  <a:schemeClr val="tx1"/>
-                </a:solidFill>
-                <a:effectLst/>
-                <a:latin typeface="+mn-lt"/>
-                <a:ea typeface="+mn-ea"/>
-                <a:cs typeface="+mn-cs"/>
-              </a:rPr>
-              <a:t>where as </a:t>
-            </a:r>
-            <a:r>
-              <a:rPr lang="en-GB" sz="1200" b="1" i="0" kern="1200" dirty="0">
-                <a:solidFill>
-                  <a:schemeClr val="tx1"/>
-                </a:solidFill>
-                <a:effectLst/>
-                <a:latin typeface="+mn-lt"/>
-                <a:ea typeface="+mn-ea"/>
-                <a:cs typeface="+mn-cs"/>
-              </a:rPr>
-              <a:t>git pull</a:t>
-            </a:r>
-            <a:r>
-              <a:rPr lang="en-GB" sz="1200" b="0" i="0" kern="1200" dirty="0">
-                <a:solidFill>
-                  <a:schemeClr val="tx1"/>
-                </a:solidFill>
-                <a:effectLst/>
-                <a:latin typeface="+mn-lt"/>
-                <a:ea typeface="+mn-ea"/>
-                <a:cs typeface="+mn-cs"/>
-              </a:rPr>
-              <a:t> will </a:t>
-            </a:r>
-            <a:r>
-              <a:rPr lang="en-GB" sz="1200" b="1" i="0" kern="1200" dirty="0">
-                <a:solidFill>
-                  <a:schemeClr val="tx1"/>
-                </a:solidFill>
-                <a:effectLst/>
-                <a:latin typeface="+mn-lt"/>
-                <a:ea typeface="+mn-ea"/>
-                <a:cs typeface="+mn-cs"/>
-              </a:rPr>
-              <a:t>fetch</a:t>
-            </a:r>
-            <a:r>
-              <a:rPr lang="en-GB" sz="1200" b="0" i="0" kern="1200" dirty="0">
-                <a:solidFill>
-                  <a:schemeClr val="tx1"/>
-                </a:solidFill>
-                <a:effectLst/>
-                <a:latin typeface="+mn-lt"/>
-                <a:ea typeface="+mn-ea"/>
-                <a:cs typeface="+mn-cs"/>
-              </a:rPr>
-              <a:t> new commits from all tracked branches from the default </a:t>
-            </a:r>
-            <a:r>
-              <a:rPr lang="en-GB" sz="1200" b="1" i="0" kern="1200" dirty="0">
-                <a:solidFill>
-                  <a:schemeClr val="tx1"/>
-                </a:solidFill>
-                <a:effectLst/>
-                <a:latin typeface="+mn-lt"/>
-                <a:ea typeface="+mn-ea"/>
-                <a:cs typeface="+mn-cs"/>
-              </a:rPr>
-              <a:t>remote</a:t>
-            </a:r>
-            <a:r>
-              <a:rPr lang="en-GB" sz="1200" b="0" i="0" kern="1200" dirty="0">
-                <a:solidFill>
-                  <a:schemeClr val="tx1"/>
-                </a:solidFill>
-                <a:effectLst/>
-                <a:latin typeface="+mn-lt"/>
-                <a:ea typeface="+mn-ea"/>
-                <a:cs typeface="+mn-cs"/>
-              </a:rPr>
-              <a:t>(</a:t>
-            </a:r>
-            <a:r>
-              <a:rPr lang="en-GB" sz="1200" b="1" i="0" kern="1200" dirty="0">
-                <a:solidFill>
-                  <a:schemeClr val="tx1"/>
-                </a:solidFill>
-                <a:effectLst/>
-                <a:latin typeface="+mn-lt"/>
-                <a:ea typeface="+mn-ea"/>
-                <a:cs typeface="+mn-cs"/>
-              </a:rPr>
-              <a:t>origin</a:t>
-            </a:r>
-            <a:r>
-              <a:rPr lang="en-GB" sz="1200" b="0" i="0" kern="1200" dirty="0">
-                <a:solidFill>
-                  <a:schemeClr val="tx1"/>
-                </a:solidFill>
-                <a:effectLst/>
-                <a:latin typeface="+mn-lt"/>
-                <a:ea typeface="+mn-ea"/>
-                <a:cs typeface="+mn-cs"/>
-              </a:rPr>
-              <a:t>). </a:t>
-            </a:r>
-          </a:p>
-          <a:p>
-            <a:r>
-              <a:rPr lang="en-GB" sz="1200" b="0" i="0" kern="1200" dirty="0">
-                <a:solidFill>
-                  <a:schemeClr val="tx1"/>
-                </a:solidFill>
-                <a:effectLst/>
-                <a:latin typeface="+mn-lt"/>
-                <a:ea typeface="+mn-ea"/>
-                <a:cs typeface="+mn-cs"/>
-              </a:rPr>
-              <a:t>you can also configure default </a:t>
-            </a:r>
-            <a:r>
-              <a:rPr lang="en-GB" sz="1200" b="1" i="0" kern="1200" dirty="0">
-                <a:solidFill>
-                  <a:schemeClr val="tx1"/>
-                </a:solidFill>
-                <a:effectLst/>
-                <a:latin typeface="+mn-lt"/>
-                <a:ea typeface="+mn-ea"/>
-                <a:cs typeface="+mn-cs"/>
-              </a:rPr>
-              <a:t>remote and</a:t>
-            </a:r>
-            <a:r>
-              <a:rPr lang="en-GB" sz="1200" b="0" i="0" kern="1200" dirty="0">
-                <a:solidFill>
-                  <a:schemeClr val="tx1"/>
-                </a:solidFill>
-                <a:effectLst/>
-                <a:latin typeface="+mn-lt"/>
-                <a:ea typeface="+mn-ea"/>
-                <a:cs typeface="+mn-cs"/>
-              </a:rPr>
-              <a:t> branch name in git config file.</a:t>
-            </a:r>
-            <a:endParaRPr lang="en-NL" dirty="0"/>
-          </a:p>
-        </p:txBody>
-      </p:sp>
-      <p:sp>
-        <p:nvSpPr>
-          <p:cNvPr id="4" name="Slide Number Placeholder 3"/>
-          <p:cNvSpPr>
-            <a:spLocks noGrp="1"/>
-          </p:cNvSpPr>
-          <p:nvPr>
-            <p:ph type="sldNum" sz="quarter" idx="5"/>
-          </p:nvPr>
-        </p:nvSpPr>
-        <p:spPr/>
-        <p:txBody>
-          <a:bodyPr/>
-          <a:lstStyle/>
-          <a:p>
-            <a:fld id="{969E876F-84BD-DA45-9806-C5AFFBF9E35E}" type="slidenum">
-              <a:rPr lang="en-NL" smtClean="0"/>
-              <a:t>20</a:t>
-            </a:fld>
-            <a:endParaRPr lang="en-NL"/>
-          </a:p>
-        </p:txBody>
-      </p:sp>
-    </p:spTree>
-    <p:extLst>
-      <p:ext uri="{BB962C8B-B14F-4D97-AF65-F5344CB8AC3E}">
-        <p14:creationId xmlns:p14="http://schemas.microsoft.com/office/powerpoint/2010/main" val="4236199897"/>
       </p:ext>
     </p:extLst>
   </p:cSld>
@@ -10035,8 +9681,8 @@
         </p:nvSpPr>
         <p:spPr>
           <a:xfrm>
-            <a:off x="211872" y="587829"/>
-            <a:ext cx="4417985" cy="2475771"/>
+            <a:off x="211872" y="464457"/>
+            <a:ext cx="4417985" cy="2599143"/>
           </a:xfrm>
           <a:prstGeom prst="roundRect">
             <a:avLst/>
@@ -10108,17 +9754,6 @@
                 </a:solidFill>
                 <a:latin typeface="+mj-lt"/>
               </a:rPr>
-              <a:t>$ git log --author</a:t>
-            </a:r>
-          </a:p>
-          <a:p>
-            <a:r>
-              <a:rPr lang="en-GB" sz="1600" dirty="0">
-                <a:solidFill>
-                  <a:schemeClr val="tx1"/>
-                </a:solidFill>
-                <a:latin typeface="+mj-lt"/>
-              </a:rPr>
               <a:t>$ git log --</a:t>
             </a:r>
             <a:r>
@@ -10251,6 +9886,35 @@
                 <a:latin typeface="+mj-lt"/>
               </a:rPr>
               <a:t> --graph pretty=format</a:t>
+            </a:r>
+          </a:p>
+          <a:p>
+            <a:r>
+              <a:rPr lang="en-GB" sz="1600" dirty="0">
+                <a:solidFill>
+                  <a:schemeClr val="tx1"/>
+                </a:solidFill>
+                <a:latin typeface="+mj-lt"/>
+              </a:rPr>
+              <a:t>$ git </a:t>
+            </a:r>
+            <a:r>
+              <a:rPr lang="en-GB" sz="1600" dirty="0" err="1">
+                <a:solidFill>
+                  <a:schemeClr val="tx1"/>
+                </a:solidFill>
+                <a:latin typeface="+mj-lt"/>
+              </a:rPr>
+              <a:t>reflog</a:t>
+            </a:r>
+            <a:r>
+              <a:rPr lang="en-GB" sz="1600" dirty="0">
+                <a:solidFill>
+                  <a:schemeClr val="tx1"/>
+                </a:solidFill>
+                <a:latin typeface="+mj-lt"/>
+              </a:rPr>
+              <a:t> ----- shows all commits records</a:t>
             </a:r>
           </a:p>
         </p:txBody>
@@ -10904,18 +10568,7 @@
                 </a:solidFill>
                 <a:latin typeface="+mj-lt"/>
               </a:rPr>
-              <a:t>$ git reset --hard HEAD &lt;hash #&gt; ----- back to hash#</a:t>
-            </a:r>
-          </a:p>
-          <a:p>
-            <a:r>
-              <a:rPr lang="en-NL" sz="1600" dirty="0">
-                <a:solidFill>
-                  <a:schemeClr val="tx1"/>
-                </a:solidFill>
-                <a:latin typeface="+mj-lt"/>
-              </a:rPr>
-              <a:t>$ git reflog ----- compete commit history</a:t>
+              <a:t>$ git reset --hard HEAD &lt;hash #&gt; ----- </a:t>
             </a:r>
           </a:p>
           <a:p>
@@ -10925,6 +10578,17 @@
               </a:solidFill>
               <a:latin typeface="+mj-lt"/>
             </a:endParaRPr>
+          </a:p>
+          <a:p>
+            <a:r>
+              <a:rPr lang="en-NL" sz="1600" dirty="0">
+                <a:solidFill>
+                  <a:schemeClr val="tx1"/>
+                </a:solidFill>
+                <a:latin typeface="+mj-lt"/>
+              </a:rPr>
+              <a:t>HEAD ----- points out current branch</a:t>
+            </a:r>
           </a:p>
           <a:p>
             <a:r>
@@ -11421,272 +11085,6 @@
       </p:grpSpPr>
       <p:sp>
         <p:nvSpPr>
-          <p:cNvPr id="26" name="Rounded Rectangle 25">
-            <a:extLst>
-              <a:ext uri="{FF2B5EF4-FFF2-40B4-BE49-F238E27FC236}">
-                <a16:creationId xmlns:a16="http://schemas.microsoft.com/office/drawing/2014/main" id="{05CC8071-0127-744E-BE12-C691D53F9DC5}"/>
-              </a:ext>
-            </a:extLst>
-          </p:cNvPr>
-          <p:cNvSpPr/>
-          <p:nvPr/>
-        </p:nvSpPr>
-        <p:spPr>
-          <a:xfrm>
-            <a:off x="6909539" y="698733"/>
-            <a:ext cx="4620815" cy="1738150"/>
-          </a:xfrm>
-          <a:prstGeom prst="roundRect">
-            <a:avLst/>
-          </a:prstGeom>
-          <a:solidFill>
-            <a:schemeClr val="tx2">
-              <a:lumMod val="20000"/>
-              <a:lumOff val="80000"/>
-            </a:schemeClr>
-          </a:solidFill>
-          <a:ln>
-            <a:noFill/>
-          </a:ln>
-        </p:spPr>
-        <p:style>
-          <a:lnRef idx="2">
-            <a:schemeClr val="accent1">
-              <a:shade val="50000"/>
-            </a:schemeClr>
-          </a:lnRef>
-          <a:fillRef idx="1">
-            <a:schemeClr val="accent1"/>
-          </a:fillRef>
-          <a:effectRef idx="0">
-            <a:schemeClr val="accent1"/>
-          </a:effectRef>
-          <a:fontRef idx="minor">
-            <a:schemeClr val="lt1"/>
-          </a:fontRef>
-        </p:style>
-        <p:txBody>
-          <a:bodyPr rtlCol="0" anchor="ctr"/>
-          <a:lstStyle/>
-          <a:p>
-            <a:r>
-              <a:rPr lang="en-GB" sz="1600" dirty="0">
-                <a:solidFill>
-                  <a:schemeClr val="tx1"/>
-                </a:solidFill>
-                <a:latin typeface="+mj-lt"/>
-              </a:rPr>
-              <a:t>Local to remote</a:t>
-            </a:r>
-          </a:p>
-          <a:p>
-            <a:endParaRPr lang="en-GB" sz="1600" dirty="0">
-              <a:solidFill>
-                <a:schemeClr val="tx1"/>
-              </a:solidFill>
-              <a:latin typeface="+mj-lt"/>
-            </a:endParaRPr>
-          </a:p>
-          <a:p>
-            <a:r>
-              <a:rPr lang="en-GB" sz="1600" dirty="0">
-                <a:solidFill>
-                  <a:schemeClr val="tx1"/>
-                </a:solidFill>
-                <a:latin typeface="+mj-lt"/>
-              </a:rPr>
-              <a:t>$ git push -</a:t>
-            </a:r>
-            <a:r>
-              <a:rPr lang="en-GB" sz="1600" dirty="0">
-                <a:solidFill>
-                  <a:srgbClr val="0070C0"/>
-                </a:solidFill>
-                <a:latin typeface="+mj-lt"/>
-              </a:rPr>
-              <a:t>u</a:t>
-            </a:r>
-            <a:r>
-              <a:rPr lang="en-GB" sz="1600" dirty="0">
-                <a:solidFill>
-                  <a:schemeClr val="tx1"/>
-                </a:solidFill>
-                <a:latin typeface="+mj-lt"/>
-              </a:rPr>
-              <a:t> &lt;</a:t>
-            </a:r>
-            <a:r>
-              <a:rPr lang="en-GB" sz="1600" dirty="0">
-                <a:solidFill>
-                  <a:srgbClr val="C00000"/>
-                </a:solidFill>
-                <a:latin typeface="+mj-lt"/>
-              </a:rPr>
-              <a:t>remote name</a:t>
-            </a:r>
-            <a:r>
-              <a:rPr lang="en-GB" sz="1600" dirty="0">
-                <a:solidFill>
-                  <a:schemeClr val="tx1"/>
-                </a:solidFill>
-                <a:latin typeface="+mj-lt"/>
-              </a:rPr>
-              <a:t>&gt; &lt;</a:t>
-            </a:r>
-            <a:r>
-              <a:rPr lang="en-GB" sz="1600" dirty="0">
-                <a:solidFill>
-                  <a:srgbClr val="00B050"/>
-                </a:solidFill>
-                <a:latin typeface="+mj-lt"/>
-              </a:rPr>
-              <a:t>local branch name</a:t>
-            </a:r>
-            <a:r>
-              <a:rPr lang="en-GB" sz="1600" dirty="0">
-                <a:solidFill>
-                  <a:schemeClr val="tx1"/>
-                </a:solidFill>
-                <a:latin typeface="+mj-lt"/>
-              </a:rPr>
-              <a:t>&gt;</a:t>
-            </a:r>
-          </a:p>
-          <a:p>
-            <a:r>
-              <a:rPr lang="en-GB" sz="1600" dirty="0">
-                <a:solidFill>
-                  <a:schemeClr val="tx1"/>
-                </a:solidFill>
-                <a:latin typeface="+mj-lt"/>
-              </a:rPr>
-              <a:t>$ git push -</a:t>
-            </a:r>
-            <a:r>
-              <a:rPr lang="en-GB" sz="1600" dirty="0">
-                <a:solidFill>
-                  <a:srgbClr val="0070C0"/>
-                </a:solidFill>
-                <a:latin typeface="+mj-lt"/>
-              </a:rPr>
-              <a:t>set-upstream</a:t>
-            </a:r>
-            <a:r>
-              <a:rPr lang="en-GB" sz="1600" dirty="0">
-                <a:solidFill>
-                  <a:schemeClr val="tx1"/>
-                </a:solidFill>
-                <a:latin typeface="+mj-lt"/>
-              </a:rPr>
-              <a:t> </a:t>
-            </a:r>
-            <a:r>
-              <a:rPr lang="en-GB" sz="1600" dirty="0">
-                <a:solidFill>
-                  <a:srgbClr val="C00000"/>
-                </a:solidFill>
-                <a:latin typeface="+mj-lt"/>
-              </a:rPr>
-              <a:t>origin</a:t>
-            </a:r>
-            <a:r>
-              <a:rPr lang="en-GB" sz="1600" dirty="0">
-                <a:solidFill>
-                  <a:schemeClr val="tx1"/>
-                </a:solidFill>
-                <a:latin typeface="+mj-lt"/>
-              </a:rPr>
-              <a:t> </a:t>
-            </a:r>
-            <a:r>
-              <a:rPr lang="en-GB" sz="1600" dirty="0">
-                <a:solidFill>
-                  <a:srgbClr val="00B050"/>
-                </a:solidFill>
-                <a:latin typeface="+mj-lt"/>
-              </a:rPr>
-              <a:t>master</a:t>
-            </a:r>
-            <a:r>
-              <a:rPr lang="en-GB" sz="1600" dirty="0">
-                <a:solidFill>
-                  <a:schemeClr val="tx1"/>
-                </a:solidFill>
-                <a:latin typeface="+mj-lt"/>
-              </a:rPr>
-              <a:t> </a:t>
-            </a:r>
-          </a:p>
-          <a:p>
-            <a:endParaRPr lang="en-GB" sz="1600" dirty="0">
-              <a:solidFill>
-                <a:schemeClr val="tx1"/>
-              </a:solidFill>
-              <a:latin typeface="+mj-lt"/>
-            </a:endParaRPr>
-          </a:p>
-          <a:p>
-            <a:r>
-              <a:rPr lang="en-GB" sz="1600" dirty="0">
-                <a:solidFill>
-                  <a:schemeClr val="tx1"/>
-                </a:solidFill>
-                <a:latin typeface="+mj-lt"/>
-              </a:rPr>
-              <a:t>$ git push &lt;</a:t>
-            </a:r>
-            <a:r>
-              <a:rPr lang="en-GB" sz="1600" dirty="0">
-                <a:solidFill>
-                  <a:srgbClr val="C00000"/>
-                </a:solidFill>
-                <a:latin typeface="+mj-lt"/>
-              </a:rPr>
-              <a:t>remote name</a:t>
-            </a:r>
-            <a:r>
-              <a:rPr lang="en-GB" sz="1600" dirty="0">
-                <a:solidFill>
-                  <a:schemeClr val="tx1"/>
-                </a:solidFill>
-                <a:latin typeface="+mj-lt"/>
-              </a:rPr>
-              <a:t>&gt; &lt;</a:t>
-            </a:r>
-            <a:r>
-              <a:rPr lang="en-GB" sz="1600" dirty="0">
-                <a:solidFill>
-                  <a:srgbClr val="00B050"/>
-                </a:solidFill>
-                <a:latin typeface="+mj-lt"/>
-              </a:rPr>
-              <a:t>local branch name</a:t>
-            </a:r>
-            <a:r>
-              <a:rPr lang="en-GB" sz="1600" dirty="0">
-                <a:solidFill>
-                  <a:schemeClr val="tx1"/>
-                </a:solidFill>
-                <a:latin typeface="+mj-lt"/>
-              </a:rPr>
-              <a:t>&gt;</a:t>
-            </a:r>
-          </a:p>
-          <a:p>
-            <a:r>
-              <a:rPr lang="en-GB" sz="1600" dirty="0">
-                <a:solidFill>
-                  <a:schemeClr val="tx1"/>
-                </a:solidFill>
-                <a:latin typeface="+mj-lt"/>
-              </a:rPr>
-              <a:t>$ git push --all</a:t>
-            </a:r>
-          </a:p>
-        </p:txBody>
-      </p:sp>
-      <p:sp>
-        <p:nvSpPr>
           <p:cNvPr id="32" name="Rounded Rectangle 31">
             <a:extLst>
               <a:ext uri="{FF2B5EF4-FFF2-40B4-BE49-F238E27FC236}">
@@ -11770,7 +11168,7 @@
                 </a:solidFill>
                 <a:latin typeface="+mj-lt"/>
               </a:rPr>
-              <a:t>branch_name</a:t>
+              <a:t>branch_A</a:t>
             </a:r>
             <a:r>
               <a:rPr lang="en-GB" sz="1600" dirty="0">
@@ -11803,7 +11201,7 @@
                 </a:solidFill>
                 <a:latin typeface="+mj-lt"/>
               </a:rPr>
-              <a:t>branch_name</a:t>
+              <a:t>branch_A</a:t>
             </a:r>
             <a:endParaRPr lang="en-GB" sz="1600" dirty="0">
               <a:solidFill>
@@ -12380,7 +11778,7 @@
         </p:nvSpPr>
         <p:spPr>
           <a:xfrm>
-            <a:off x="605641" y="3297329"/>
+            <a:off x="668431" y="3769607"/>
             <a:ext cx="4038355" cy="2972842"/>
           </a:xfrm>
           <a:prstGeom prst="roundRect">
@@ -12442,7 +11840,7 @@
                 </a:solidFill>
                 <a:latin typeface="+mj-lt"/>
               </a:rPr>
-              <a:t>$ git merge –no-ff </a:t>
+              <a:t>$ git merge --no-ff </a:t>
             </a:r>
             <a:r>
               <a:rPr lang="en-GB" sz="1600" dirty="0" err="1">
@@ -12471,7 +11869,7 @@
                 </a:solidFill>
                 <a:latin typeface="+mj-lt"/>
               </a:rPr>
-              <a:t>$ git merge –no-ff –squash </a:t>
+              <a:t>$ git merge --no-ff –squash </a:t>
             </a:r>
             <a:r>
               <a:rPr lang="en-GB" sz="1600" dirty="0" err="1">
@@ -12497,7 +11895,7 @@
                 </a:solidFill>
                 <a:latin typeface="+mj-lt"/>
               </a:rPr>
-              <a:t>$ git merge –squash </a:t>
+              <a:t>$ git merge --squash </a:t>
             </a:r>
             <a:r>
               <a:rPr lang="en-GB" sz="1600" dirty="0" err="1">
@@ -12747,6 +12145,17 @@
                 </a:solidFill>
                 <a:latin typeface="+mj-lt"/>
               </a:rPr>
+              <a:t># first time</a:t>
+            </a:r>
+          </a:p>
+          <a:p>
+            <a:r>
+              <a:rPr lang="en-NL" sz="1600" dirty="0">
+                <a:solidFill>
+                  <a:schemeClr val="tx1"/>
+                </a:solidFill>
+                <a:latin typeface="+mj-lt"/>
+              </a:rPr>
               <a:t>$ git clone remote_repo_link</a:t>
             </a:r>
           </a:p>
@@ -12773,12 +12182,15 @@
             </a:r>
           </a:p>
           <a:p>
-            <a:endParaRPr lang="en-NL" sz="1600" dirty="0">
-              <a:solidFill>
-                <a:schemeClr val="tx1"/>
-              </a:solidFill>
-              <a:latin typeface="+mj-lt"/>
-            </a:endParaRPr>
+            <a:r>
+              <a:rPr lang="en-NL" sz="1600" dirty="0">
+                <a:solidFill>
+                  <a:schemeClr val="tx1"/>
+                </a:solidFill>
+                <a:latin typeface="+mj-lt"/>
+              </a:rPr>
+              <a:t># once connected</a:t>
+            </a:r>
           </a:p>
           <a:p>
             <a:r>
@@ -12955,7 +12367,7 @@
         </p:nvSpPr>
         <p:spPr>
           <a:xfrm>
-            <a:off x="6907563" y="5102332"/>
+            <a:off x="6908948" y="5180909"/>
             <a:ext cx="4293198" cy="1318588"/>
           </a:xfrm>
           <a:prstGeom prst="roundRect">
@@ -13017,7 +12429,7 @@
                 </a:solidFill>
                 <a:latin typeface="+mj-lt"/>
               </a:rPr>
-              <a:t>$ git remote -v ----- get remote weblink</a:t>
+              <a:t>$ git remote -v -----</a:t>
             </a:r>
           </a:p>
           <a:p>
@@ -13200,6 +12612,287 @@
                 <a:sym typeface="Wingdings" pitchFamily="2" charset="2"/>
               </a:rPr>
               <a:t>ommand lines</a:t>
+            </a:r>
+          </a:p>
+        </p:txBody>
+      </p:sp>
+      <p:sp>
+        <p:nvSpPr>
+          <p:cNvPr id="26" name="Rounded Rectangle 25">
+            <a:extLst>
+              <a:ext uri="{FF2B5EF4-FFF2-40B4-BE49-F238E27FC236}">
+                <a16:creationId xmlns:a16="http://schemas.microsoft.com/office/drawing/2014/main" id="{05CC8071-0127-744E-BE12-C691D53F9DC5}"/>
+              </a:ext>
+            </a:extLst>
+          </p:cNvPr>
+          <p:cNvSpPr/>
+          <p:nvPr/>
+        </p:nvSpPr>
+        <p:spPr>
+          <a:xfrm>
+            <a:off x="6909539" y="698732"/>
+            <a:ext cx="4620815" cy="2232821"/>
+          </a:xfrm>
+          <a:prstGeom prst="roundRect">
+            <a:avLst/>
+          </a:prstGeom>
+          <a:solidFill>
+            <a:schemeClr val="tx2">
+              <a:lumMod val="20000"/>
+              <a:lumOff val="80000"/>
+            </a:schemeClr>
+          </a:solidFill>
+          <a:ln>
+            <a:noFill/>
+          </a:ln>
+        </p:spPr>
+        <p:style>
+          <a:lnRef idx="2">
+            <a:schemeClr val="accent1">
+              <a:shade val="50000"/>
+            </a:schemeClr>
+          </a:lnRef>
+          <a:fillRef idx="1">
+            <a:schemeClr val="accent1"/>
+          </a:fillRef>
+          <a:effectRef idx="0">
+            <a:schemeClr val="accent1"/>
+          </a:effectRef>
+          <a:fontRef idx="minor">
+            <a:schemeClr val="lt1"/>
+          </a:fontRef>
+        </p:style>
+        <p:txBody>
+          <a:bodyPr rtlCol="0" anchor="ctr"/>
+          <a:lstStyle/>
+          <a:p>
+            <a:r>
+              <a:rPr lang="en-GB" sz="1600" dirty="0">
+                <a:solidFill>
+                  <a:schemeClr val="tx1"/>
+                </a:solidFill>
+                <a:latin typeface="+mj-lt"/>
+              </a:rPr>
+              <a:t>Local to remote</a:t>
+            </a:r>
+          </a:p>
+          <a:p>
+            <a:r>
+              <a:rPr lang="en-GB" sz="1600" dirty="0">
+                <a:solidFill>
+                  <a:schemeClr val="tx1"/>
+                </a:solidFill>
+                <a:latin typeface="+mj-lt"/>
+              </a:rPr>
+              <a:t># first time</a:t>
+            </a:r>
+          </a:p>
+          <a:p>
+            <a:r>
+              <a:rPr lang="en-GB" sz="1600" dirty="0">
+                <a:solidFill>
+                  <a:schemeClr val="tx1"/>
+                </a:solidFill>
+                <a:latin typeface="+mj-lt"/>
+              </a:rPr>
+              <a:t>$ git push -</a:t>
+            </a:r>
+            <a:r>
+              <a:rPr lang="en-GB" sz="1600" dirty="0">
+                <a:solidFill>
+                  <a:srgbClr val="0070C0"/>
+                </a:solidFill>
+                <a:latin typeface="+mj-lt"/>
+              </a:rPr>
+              <a:t>u</a:t>
+            </a:r>
+            <a:r>
+              <a:rPr lang="en-GB" sz="1600" dirty="0">
+                <a:solidFill>
+                  <a:schemeClr val="tx1"/>
+                </a:solidFill>
+                <a:latin typeface="+mj-lt"/>
+              </a:rPr>
+              <a:t> &lt;</a:t>
+            </a:r>
+            <a:r>
+              <a:rPr lang="en-GB" sz="1600" dirty="0">
+                <a:solidFill>
+                  <a:srgbClr val="C00000"/>
+                </a:solidFill>
+                <a:latin typeface="+mj-lt"/>
+              </a:rPr>
+              <a:t>remote name</a:t>
+            </a:r>
+            <a:r>
+              <a:rPr lang="en-GB" sz="1600" dirty="0">
+                <a:solidFill>
+                  <a:schemeClr val="tx1"/>
+                </a:solidFill>
+                <a:latin typeface="+mj-lt"/>
+              </a:rPr>
+              <a:t>&gt; &lt;</a:t>
+            </a:r>
+            <a:r>
+              <a:rPr lang="en-GB" sz="1600" dirty="0">
+                <a:solidFill>
+                  <a:srgbClr val="00B050"/>
+                </a:solidFill>
+                <a:latin typeface="+mj-lt"/>
+              </a:rPr>
+              <a:t>local branch name</a:t>
+            </a:r>
+            <a:r>
+              <a:rPr lang="en-GB" sz="1600" dirty="0">
+                <a:solidFill>
+                  <a:schemeClr val="tx1"/>
+                </a:solidFill>
+                <a:latin typeface="+mj-lt"/>
+              </a:rPr>
+              <a:t>&gt;</a:t>
+            </a:r>
+          </a:p>
+          <a:p>
+            <a:pPr lvl="1"/>
+            <a:r>
+              <a:rPr lang="en-GB" sz="1600" dirty="0">
+                <a:solidFill>
+                  <a:schemeClr val="tx1"/>
+                </a:solidFill>
+                <a:latin typeface="+mj-lt"/>
+              </a:rPr>
+              <a:t>$ git push -</a:t>
+            </a:r>
+            <a:r>
+              <a:rPr lang="en-GB" sz="1600" dirty="0">
+                <a:solidFill>
+                  <a:srgbClr val="0070C0"/>
+                </a:solidFill>
+                <a:latin typeface="+mj-lt"/>
+              </a:rPr>
+              <a:t>set-upstream</a:t>
+            </a:r>
+            <a:r>
+              <a:rPr lang="en-GB" sz="1600" dirty="0">
+                <a:solidFill>
+                  <a:schemeClr val="tx1"/>
+                </a:solidFill>
+                <a:latin typeface="+mj-lt"/>
+              </a:rPr>
+              <a:t> </a:t>
+            </a:r>
+            <a:r>
+              <a:rPr lang="en-GB" sz="1600" dirty="0">
+                <a:solidFill>
+                  <a:srgbClr val="C00000"/>
+                </a:solidFill>
+                <a:latin typeface="+mj-lt"/>
+              </a:rPr>
+              <a:t>origin</a:t>
+            </a:r>
+            <a:r>
+              <a:rPr lang="en-GB" sz="1600" dirty="0">
+                <a:solidFill>
+                  <a:schemeClr val="tx1"/>
+                </a:solidFill>
+                <a:latin typeface="+mj-lt"/>
+              </a:rPr>
+              <a:t> </a:t>
+            </a:r>
+            <a:r>
+              <a:rPr lang="en-GB" sz="1600" dirty="0">
+                <a:solidFill>
+                  <a:srgbClr val="00B050"/>
+                </a:solidFill>
+                <a:latin typeface="+mj-lt"/>
+              </a:rPr>
+              <a:t>master</a:t>
+            </a:r>
+            <a:r>
+              <a:rPr lang="en-GB" sz="1600" dirty="0">
+                <a:solidFill>
+                  <a:schemeClr val="tx1"/>
+                </a:solidFill>
+                <a:latin typeface="+mj-lt"/>
+              </a:rPr>
+              <a:t> </a:t>
+            </a:r>
+          </a:p>
+          <a:p>
+            <a:r>
+              <a:rPr lang="en-GB" sz="1600" dirty="0">
+                <a:solidFill>
+                  <a:schemeClr val="tx1"/>
+                </a:solidFill>
+                <a:latin typeface="+mj-lt"/>
+              </a:rPr>
+              <a:t># once connected</a:t>
+            </a:r>
+          </a:p>
+          <a:p>
+            <a:r>
+              <a:rPr lang="en-GB" sz="1600" dirty="0">
+                <a:solidFill>
+                  <a:schemeClr val="tx1"/>
+                </a:solidFill>
+                <a:latin typeface="+mj-lt"/>
+              </a:rPr>
+              <a:t>$ git push &lt;</a:t>
+            </a:r>
+            <a:r>
+              <a:rPr lang="en-GB" sz="1600" dirty="0">
+                <a:solidFill>
+                  <a:srgbClr val="C00000"/>
+                </a:solidFill>
+                <a:latin typeface="+mj-lt"/>
+              </a:rPr>
+              <a:t>remote name</a:t>
+            </a:r>
+            <a:r>
+              <a:rPr lang="en-GB" sz="1600" dirty="0">
+                <a:solidFill>
+                  <a:schemeClr val="tx1"/>
+                </a:solidFill>
+                <a:latin typeface="+mj-lt"/>
+              </a:rPr>
+              <a:t>&gt; &lt;</a:t>
+            </a:r>
+            <a:r>
+              <a:rPr lang="en-GB" sz="1600" dirty="0">
+                <a:solidFill>
+                  <a:srgbClr val="00B050"/>
+                </a:solidFill>
+                <a:latin typeface="+mj-lt"/>
+              </a:rPr>
+              <a:t>local branch name</a:t>
+            </a:r>
+            <a:r>
+              <a:rPr lang="en-GB" sz="1600" dirty="0">
+                <a:solidFill>
+                  <a:schemeClr val="tx1"/>
+                </a:solidFill>
+                <a:latin typeface="+mj-lt"/>
+              </a:rPr>
+              <a:t>&gt;</a:t>
+            </a:r>
+          </a:p>
+          <a:p>
+            <a:endParaRPr lang="en-GB" sz="1600" dirty="0">
+              <a:solidFill>
+                <a:schemeClr val="tx1"/>
+              </a:solidFill>
+              <a:latin typeface="+mj-lt"/>
+            </a:endParaRPr>
+          </a:p>
+          <a:p>
+            <a:r>
+              <a:rPr lang="en-GB" sz="1600" dirty="0">
+                <a:solidFill>
+                  <a:schemeClr val="tx1"/>
+                </a:solidFill>
+                <a:latin typeface="+mj-lt"/>
+              </a:rPr>
+              <a:t>$ git push --all</a:t>
             </a:r>
           </a:p>
         </p:txBody>
@@ -17439,1690 +17132,6 @@
       </p:grpSpPr>
       <p:grpSp>
         <p:nvGrpSpPr>
-          <p:cNvPr id="4" name="Group 3">
-            <a:extLst>
-              <a:ext uri="{FF2B5EF4-FFF2-40B4-BE49-F238E27FC236}">
-                <a16:creationId xmlns:a16="http://schemas.microsoft.com/office/drawing/2014/main" id="{5C2A9264-7F3A-3D45-AC28-C7B5173447EF}"/>
-              </a:ext>
-            </a:extLst>
-          </p:cNvPr>
-          <p:cNvGrpSpPr>
-            <a:grpSpLocks noChangeAspect="1"/>
-          </p:cNvGrpSpPr>
-          <p:nvPr/>
-        </p:nvGrpSpPr>
-        <p:grpSpPr>
-          <a:xfrm>
-            <a:off x="5389608" y="555945"/>
-            <a:ext cx="182645" cy="5424751"/>
-            <a:chOff x="5736383" y="-142579"/>
-            <a:chExt cx="223024" cy="6625905"/>
-          </a:xfrm>
-        </p:grpSpPr>
-        <p:cxnSp>
-          <p:nvCxnSpPr>
-            <p:cNvPr id="5" name="Straight Connector 4">
-              <a:extLst>
-                <a:ext uri="{FF2B5EF4-FFF2-40B4-BE49-F238E27FC236}">
-                  <a16:creationId xmlns:a16="http://schemas.microsoft.com/office/drawing/2014/main" id="{55CC7136-9F0D-564D-968C-AC67624EF794}"/>
-                </a:ext>
-              </a:extLst>
-            </p:cNvPr>
-            <p:cNvCxnSpPr/>
-            <p:nvPr/>
-          </p:nvCxnSpPr>
-          <p:spPr>
-            <a:xfrm>
-              <a:off x="5847896" y="-142579"/>
-              <a:ext cx="0" cy="6419789"/>
-            </a:xfrm>
-            <a:prstGeom prst="line">
-              <a:avLst/>
-            </a:prstGeom>
-            <a:ln w="25400" cap="flat">
-              <a:solidFill>
-                <a:schemeClr val="tx1">
-                  <a:lumMod val="50000"/>
-                  <a:lumOff val="50000"/>
-                </a:schemeClr>
-              </a:solidFill>
-              <a:miter lim="800000"/>
-            </a:ln>
-          </p:spPr>
-          <p:style>
-            <a:lnRef idx="1">
-              <a:schemeClr val="accent1"/>
-            </a:lnRef>
-            <a:fillRef idx="0">
-              <a:schemeClr val="accent1"/>
-            </a:fillRef>
-            <a:effectRef idx="0">
-              <a:schemeClr val="accent1"/>
-            </a:effectRef>
-            <a:fontRef idx="minor">
-              <a:schemeClr val="tx1"/>
-            </a:fontRef>
-          </p:style>
-        </p:cxnSp>
-        <p:sp>
-          <p:nvSpPr>
-            <p:cNvPr id="6" name="Oval 5">
-              <a:extLst>
-                <a:ext uri="{FF2B5EF4-FFF2-40B4-BE49-F238E27FC236}">
-                  <a16:creationId xmlns:a16="http://schemas.microsoft.com/office/drawing/2014/main" id="{9F85A448-E7CC-4A48-A3EC-3339BA372FA1}"/>
-                </a:ext>
-              </a:extLst>
-            </p:cNvPr>
-            <p:cNvSpPr/>
-            <p:nvPr/>
-          </p:nvSpPr>
-          <p:spPr>
-            <a:xfrm flipV="1">
-              <a:off x="5736383" y="6270926"/>
-              <a:ext cx="223024" cy="212400"/>
-            </a:xfrm>
-            <a:prstGeom prst="ellipse">
-              <a:avLst/>
-            </a:prstGeom>
-            <a:noFill/>
-            <a:ln w="25400">
-              <a:solidFill>
-                <a:schemeClr val="tx1">
-                  <a:lumMod val="50000"/>
-                  <a:lumOff val="50000"/>
-                </a:schemeClr>
-              </a:solidFill>
-            </a:ln>
-          </p:spPr>
-          <p:style>
-            <a:lnRef idx="2">
-              <a:schemeClr val="accent1">
-                <a:shade val="50000"/>
-              </a:schemeClr>
-            </a:lnRef>
-            <a:fillRef idx="1">
-              <a:schemeClr val="accent1"/>
-            </a:fillRef>
-            <a:effectRef idx="0">
-              <a:schemeClr val="accent1"/>
-            </a:effectRef>
-            <a:fontRef idx="minor">
-              <a:schemeClr val="lt1"/>
-            </a:fontRef>
-          </p:style>
-          <p:txBody>
-            <a:bodyPr rtlCol="0" anchor="ctr"/>
-            <a:lstStyle/>
-            <a:p>
-              <a:pPr algn="ctr"/>
-              <a:endParaRPr lang="en-NL"/>
-            </a:p>
-          </p:txBody>
-        </p:sp>
-      </p:grpSp>
-      <p:grpSp>
-        <p:nvGrpSpPr>
-          <p:cNvPr id="7" name="Group 6">
-            <a:extLst>
-              <a:ext uri="{FF2B5EF4-FFF2-40B4-BE49-F238E27FC236}">
-                <a16:creationId xmlns:a16="http://schemas.microsoft.com/office/drawing/2014/main" id="{146E8A26-77FC-2E4D-B8A3-7E01D7B63313}"/>
-              </a:ext>
-            </a:extLst>
-          </p:cNvPr>
-          <p:cNvGrpSpPr/>
-          <p:nvPr/>
-        </p:nvGrpSpPr>
-        <p:grpSpPr>
-          <a:xfrm flipH="1" flipV="1">
-            <a:off x="5483968" y="1878196"/>
-            <a:ext cx="1310882" cy="825938"/>
-            <a:chOff x="2550339" y="3953108"/>
-            <a:chExt cx="1310882" cy="825938"/>
-          </a:xfrm>
-        </p:grpSpPr>
-        <p:cxnSp>
-          <p:nvCxnSpPr>
-            <p:cNvPr id="8" name="Curved Connector 7">
-              <a:extLst>
-                <a:ext uri="{FF2B5EF4-FFF2-40B4-BE49-F238E27FC236}">
-                  <a16:creationId xmlns:a16="http://schemas.microsoft.com/office/drawing/2014/main" id="{316C4575-9410-6141-828A-E8AFB7D59956}"/>
-                </a:ext>
-              </a:extLst>
-            </p:cNvPr>
-            <p:cNvCxnSpPr>
-              <a:cxnSpLocks/>
-            </p:cNvCxnSpPr>
-            <p:nvPr/>
-          </p:nvCxnSpPr>
-          <p:spPr>
-            <a:xfrm rot="10800000">
-              <a:off x="2781221" y="4059046"/>
-              <a:ext cx="1080000" cy="720000"/>
-            </a:xfrm>
-            <a:prstGeom prst="curvedConnector3">
-              <a:avLst>
-                <a:gd name="adj1" fmla="val 0"/>
-              </a:avLst>
-            </a:prstGeom>
-            <a:ln w="25400">
-              <a:solidFill>
-                <a:schemeClr val="tx1">
-                  <a:lumMod val="50000"/>
-                  <a:lumOff val="50000"/>
-                </a:schemeClr>
-              </a:solidFill>
-            </a:ln>
-          </p:spPr>
-          <p:style>
-            <a:lnRef idx="1">
-              <a:schemeClr val="accent1"/>
-            </a:lnRef>
-            <a:fillRef idx="0">
-              <a:schemeClr val="accent1"/>
-            </a:fillRef>
-            <a:effectRef idx="0">
-              <a:schemeClr val="accent1"/>
-            </a:effectRef>
-            <a:fontRef idx="minor">
-              <a:schemeClr val="tx1"/>
-            </a:fontRef>
-          </p:style>
-        </p:cxnSp>
-        <p:sp>
-          <p:nvSpPr>
-            <p:cNvPr id="9" name="Oval 8">
-              <a:extLst>
-                <a:ext uri="{FF2B5EF4-FFF2-40B4-BE49-F238E27FC236}">
-                  <a16:creationId xmlns:a16="http://schemas.microsoft.com/office/drawing/2014/main" id="{CF72603C-28CC-3549-88C5-E9273135C0C7}"/>
-                </a:ext>
-              </a:extLst>
-            </p:cNvPr>
-            <p:cNvSpPr/>
-            <p:nvPr/>
-          </p:nvSpPr>
-          <p:spPr>
-            <a:xfrm flipH="1">
-              <a:off x="2550339" y="3953108"/>
-              <a:ext cx="223024" cy="211874"/>
-            </a:xfrm>
-            <a:prstGeom prst="ellipse">
-              <a:avLst/>
-            </a:prstGeom>
-            <a:noFill/>
-            <a:ln w="25400">
-              <a:solidFill>
-                <a:schemeClr val="tx1">
-                  <a:lumMod val="50000"/>
-                  <a:lumOff val="50000"/>
-                </a:schemeClr>
-              </a:solidFill>
-            </a:ln>
-          </p:spPr>
-          <p:style>
-            <a:lnRef idx="2">
-              <a:schemeClr val="accent1">
-                <a:shade val="50000"/>
-              </a:schemeClr>
-            </a:lnRef>
-            <a:fillRef idx="1">
-              <a:schemeClr val="accent1"/>
-            </a:fillRef>
-            <a:effectRef idx="0">
-              <a:schemeClr val="accent1"/>
-            </a:effectRef>
-            <a:fontRef idx="minor">
-              <a:schemeClr val="lt1"/>
-            </a:fontRef>
-          </p:style>
-          <p:txBody>
-            <a:bodyPr rtlCol="0" anchor="ctr"/>
-            <a:lstStyle/>
-            <a:p>
-              <a:pPr algn="ctr"/>
-              <a:endParaRPr lang="en-NL"/>
-            </a:p>
-          </p:txBody>
-        </p:sp>
-      </p:grpSp>
-      <p:grpSp>
-        <p:nvGrpSpPr>
-          <p:cNvPr id="10" name="Group 9">
-            <a:extLst>
-              <a:ext uri="{FF2B5EF4-FFF2-40B4-BE49-F238E27FC236}">
-                <a16:creationId xmlns:a16="http://schemas.microsoft.com/office/drawing/2014/main" id="{BA775132-7107-DC4F-AE25-348EBF41873D}"/>
-              </a:ext>
-            </a:extLst>
-          </p:cNvPr>
-          <p:cNvGrpSpPr/>
-          <p:nvPr/>
-        </p:nvGrpSpPr>
-        <p:grpSpPr>
-          <a:xfrm flipV="1">
-            <a:off x="4533568" y="1380066"/>
-            <a:ext cx="950398" cy="825840"/>
-            <a:chOff x="2910823" y="3953108"/>
-            <a:chExt cx="950398" cy="826607"/>
-          </a:xfrm>
-        </p:grpSpPr>
-        <p:cxnSp>
-          <p:nvCxnSpPr>
-            <p:cNvPr id="11" name="Curved Connector 10">
-              <a:extLst>
-                <a:ext uri="{FF2B5EF4-FFF2-40B4-BE49-F238E27FC236}">
-                  <a16:creationId xmlns:a16="http://schemas.microsoft.com/office/drawing/2014/main" id="{BCF8099E-6099-A04A-9DC5-A1714CA212EA}"/>
-                </a:ext>
-              </a:extLst>
-            </p:cNvPr>
-            <p:cNvCxnSpPr>
-              <a:cxnSpLocks/>
-            </p:cNvCxnSpPr>
-            <p:nvPr/>
-          </p:nvCxnSpPr>
-          <p:spPr>
-            <a:xfrm rot="10800000">
-              <a:off x="3141221" y="4059046"/>
-              <a:ext cx="720000" cy="720669"/>
-            </a:xfrm>
-            <a:prstGeom prst="curvedConnector3">
-              <a:avLst>
-                <a:gd name="adj1" fmla="val 0"/>
-              </a:avLst>
-            </a:prstGeom>
-            <a:ln w="25400">
-              <a:solidFill>
-                <a:schemeClr val="tx1">
-                  <a:lumMod val="50000"/>
-                  <a:lumOff val="50000"/>
-                </a:schemeClr>
-              </a:solidFill>
-            </a:ln>
-          </p:spPr>
-          <p:style>
-            <a:lnRef idx="1">
-              <a:schemeClr val="accent1"/>
-            </a:lnRef>
-            <a:fillRef idx="0">
-              <a:schemeClr val="accent1"/>
-            </a:fillRef>
-            <a:effectRef idx="0">
-              <a:schemeClr val="accent1"/>
-            </a:effectRef>
-            <a:fontRef idx="minor">
-              <a:schemeClr val="tx1"/>
-            </a:fontRef>
-          </p:style>
-        </p:cxnSp>
-        <p:sp>
-          <p:nvSpPr>
-            <p:cNvPr id="12" name="Oval 11">
-              <a:extLst>
-                <a:ext uri="{FF2B5EF4-FFF2-40B4-BE49-F238E27FC236}">
-                  <a16:creationId xmlns:a16="http://schemas.microsoft.com/office/drawing/2014/main" id="{D3651843-B876-2F4D-931B-1492B077422D}"/>
-                </a:ext>
-              </a:extLst>
-            </p:cNvPr>
-            <p:cNvSpPr/>
-            <p:nvPr/>
-          </p:nvSpPr>
-          <p:spPr>
-            <a:xfrm flipH="1">
-              <a:off x="2910823" y="3953108"/>
-              <a:ext cx="223024" cy="211874"/>
-            </a:xfrm>
-            <a:prstGeom prst="ellipse">
-              <a:avLst/>
-            </a:prstGeom>
-            <a:solidFill>
-              <a:schemeClr val="bg1"/>
-            </a:solidFill>
-            <a:ln w="25400">
-              <a:solidFill>
-                <a:schemeClr val="tx1">
-                  <a:lumMod val="50000"/>
-                  <a:lumOff val="50000"/>
-                </a:schemeClr>
-              </a:solidFill>
-            </a:ln>
-          </p:spPr>
-          <p:style>
-            <a:lnRef idx="2">
-              <a:schemeClr val="accent1">
-                <a:shade val="50000"/>
-              </a:schemeClr>
-            </a:lnRef>
-            <a:fillRef idx="1">
-              <a:schemeClr val="accent1"/>
-            </a:fillRef>
-            <a:effectRef idx="0">
-              <a:schemeClr val="accent1"/>
-            </a:effectRef>
-            <a:fontRef idx="minor">
-              <a:schemeClr val="lt1"/>
-            </a:fontRef>
-          </p:style>
-          <p:txBody>
-            <a:bodyPr rtlCol="0" anchor="ctr"/>
-            <a:lstStyle/>
-            <a:p>
-              <a:pPr algn="ctr"/>
-              <a:endParaRPr lang="en-NL"/>
-            </a:p>
-          </p:txBody>
-        </p:sp>
-      </p:grpSp>
-      <p:grpSp>
-        <p:nvGrpSpPr>
-          <p:cNvPr id="13" name="Group 12">
-            <a:extLst>
-              <a:ext uri="{FF2B5EF4-FFF2-40B4-BE49-F238E27FC236}">
-                <a16:creationId xmlns:a16="http://schemas.microsoft.com/office/drawing/2014/main" id="{851B4E09-F683-644A-9FC7-2A519B8B2918}"/>
-              </a:ext>
-            </a:extLst>
-          </p:cNvPr>
-          <p:cNvGrpSpPr/>
-          <p:nvPr/>
-        </p:nvGrpSpPr>
-        <p:grpSpPr>
-          <a:xfrm flipH="1" flipV="1">
-            <a:off x="5489770" y="3289836"/>
-            <a:ext cx="1310882" cy="825938"/>
-            <a:chOff x="2550339" y="3953108"/>
-            <a:chExt cx="1310882" cy="825938"/>
-          </a:xfrm>
-        </p:grpSpPr>
-        <p:cxnSp>
-          <p:nvCxnSpPr>
-            <p:cNvPr id="14" name="Curved Connector 13">
-              <a:extLst>
-                <a:ext uri="{FF2B5EF4-FFF2-40B4-BE49-F238E27FC236}">
-                  <a16:creationId xmlns:a16="http://schemas.microsoft.com/office/drawing/2014/main" id="{1FC00F74-B07F-5E49-8D43-4E049D053679}"/>
-                </a:ext>
-              </a:extLst>
-            </p:cNvPr>
-            <p:cNvCxnSpPr>
-              <a:cxnSpLocks/>
-            </p:cNvCxnSpPr>
-            <p:nvPr/>
-          </p:nvCxnSpPr>
-          <p:spPr>
-            <a:xfrm rot="10800000">
-              <a:off x="2781221" y="4059046"/>
-              <a:ext cx="1080000" cy="720000"/>
-            </a:xfrm>
-            <a:prstGeom prst="curvedConnector3">
-              <a:avLst>
-                <a:gd name="adj1" fmla="val 0"/>
-              </a:avLst>
-            </a:prstGeom>
-            <a:ln w="25400">
-              <a:solidFill>
-                <a:schemeClr val="tx1">
-                  <a:lumMod val="50000"/>
-                  <a:lumOff val="50000"/>
-                </a:schemeClr>
-              </a:solidFill>
-            </a:ln>
-          </p:spPr>
-          <p:style>
-            <a:lnRef idx="1">
-              <a:schemeClr val="accent1"/>
-            </a:lnRef>
-            <a:fillRef idx="0">
-              <a:schemeClr val="accent1"/>
-            </a:fillRef>
-            <a:effectRef idx="0">
-              <a:schemeClr val="accent1"/>
-            </a:effectRef>
-            <a:fontRef idx="minor">
-              <a:schemeClr val="tx1"/>
-            </a:fontRef>
-          </p:style>
-        </p:cxnSp>
-        <p:sp>
-          <p:nvSpPr>
-            <p:cNvPr id="15" name="Oval 14">
-              <a:extLst>
-                <a:ext uri="{FF2B5EF4-FFF2-40B4-BE49-F238E27FC236}">
-                  <a16:creationId xmlns:a16="http://schemas.microsoft.com/office/drawing/2014/main" id="{29D540A6-BF6B-AA43-A97C-EE7BB2733F9B}"/>
-                </a:ext>
-              </a:extLst>
-            </p:cNvPr>
-            <p:cNvSpPr/>
-            <p:nvPr/>
-          </p:nvSpPr>
-          <p:spPr>
-            <a:xfrm flipH="1">
-              <a:off x="2550339" y="3953108"/>
-              <a:ext cx="223024" cy="211874"/>
-            </a:xfrm>
-            <a:prstGeom prst="ellipse">
-              <a:avLst/>
-            </a:prstGeom>
-            <a:noFill/>
-            <a:ln w="25400">
-              <a:solidFill>
-                <a:schemeClr val="tx1">
-                  <a:lumMod val="50000"/>
-                  <a:lumOff val="50000"/>
-                </a:schemeClr>
-              </a:solidFill>
-            </a:ln>
-          </p:spPr>
-          <p:style>
-            <a:lnRef idx="2">
-              <a:schemeClr val="accent1">
-                <a:shade val="50000"/>
-              </a:schemeClr>
-            </a:lnRef>
-            <a:fillRef idx="1">
-              <a:schemeClr val="accent1"/>
-            </a:fillRef>
-            <a:effectRef idx="0">
-              <a:schemeClr val="accent1"/>
-            </a:effectRef>
-            <a:fontRef idx="minor">
-              <a:schemeClr val="lt1"/>
-            </a:fontRef>
-          </p:style>
-          <p:txBody>
-            <a:bodyPr rtlCol="0" anchor="ctr"/>
-            <a:lstStyle/>
-            <a:p>
-              <a:pPr algn="ctr"/>
-              <a:endParaRPr lang="en-NL"/>
-            </a:p>
-          </p:txBody>
-        </p:sp>
-      </p:grpSp>
-      <p:grpSp>
-        <p:nvGrpSpPr>
-          <p:cNvPr id="16" name="Group 15">
-            <a:extLst>
-              <a:ext uri="{FF2B5EF4-FFF2-40B4-BE49-F238E27FC236}">
-                <a16:creationId xmlns:a16="http://schemas.microsoft.com/office/drawing/2014/main" id="{5ED3CE16-6582-FF42-9D61-C24A13D3C4F2}"/>
-              </a:ext>
-            </a:extLst>
-          </p:cNvPr>
-          <p:cNvGrpSpPr/>
-          <p:nvPr/>
-        </p:nvGrpSpPr>
-        <p:grpSpPr>
-          <a:xfrm flipV="1">
-            <a:off x="4537378" y="3026827"/>
-            <a:ext cx="950398" cy="825840"/>
-            <a:chOff x="2910823" y="3953108"/>
-            <a:chExt cx="950398" cy="826607"/>
-          </a:xfrm>
-        </p:grpSpPr>
-        <p:cxnSp>
-          <p:nvCxnSpPr>
-            <p:cNvPr id="17" name="Curved Connector 16">
-              <a:extLst>
-                <a:ext uri="{FF2B5EF4-FFF2-40B4-BE49-F238E27FC236}">
-                  <a16:creationId xmlns:a16="http://schemas.microsoft.com/office/drawing/2014/main" id="{2A3C8332-D3A2-5647-9B27-BFE77AA3793C}"/>
-                </a:ext>
-              </a:extLst>
-            </p:cNvPr>
-            <p:cNvCxnSpPr>
-              <a:cxnSpLocks/>
-            </p:cNvCxnSpPr>
-            <p:nvPr/>
-          </p:nvCxnSpPr>
-          <p:spPr>
-            <a:xfrm rot="10800000">
-              <a:off x="3141221" y="4059046"/>
-              <a:ext cx="720000" cy="720669"/>
-            </a:xfrm>
-            <a:prstGeom prst="curvedConnector3">
-              <a:avLst>
-                <a:gd name="adj1" fmla="val 0"/>
-              </a:avLst>
-            </a:prstGeom>
-            <a:ln w="25400">
-              <a:solidFill>
-                <a:schemeClr val="tx1">
-                  <a:lumMod val="50000"/>
-                  <a:lumOff val="50000"/>
-                </a:schemeClr>
-              </a:solidFill>
-            </a:ln>
-          </p:spPr>
-          <p:style>
-            <a:lnRef idx="1">
-              <a:schemeClr val="accent1"/>
-            </a:lnRef>
-            <a:fillRef idx="0">
-              <a:schemeClr val="accent1"/>
-            </a:fillRef>
-            <a:effectRef idx="0">
-              <a:schemeClr val="accent1"/>
-            </a:effectRef>
-            <a:fontRef idx="minor">
-              <a:schemeClr val="tx1"/>
-            </a:fontRef>
-          </p:style>
-        </p:cxnSp>
-        <p:sp>
-          <p:nvSpPr>
-            <p:cNvPr id="18" name="Oval 17">
-              <a:extLst>
-                <a:ext uri="{FF2B5EF4-FFF2-40B4-BE49-F238E27FC236}">
-                  <a16:creationId xmlns:a16="http://schemas.microsoft.com/office/drawing/2014/main" id="{6423FA19-FCEB-D041-95FE-33A8BAA3DA16}"/>
-                </a:ext>
-              </a:extLst>
-            </p:cNvPr>
-            <p:cNvSpPr/>
-            <p:nvPr/>
-          </p:nvSpPr>
-          <p:spPr>
-            <a:xfrm flipH="1">
-              <a:off x="2910823" y="3953108"/>
-              <a:ext cx="223024" cy="211874"/>
-            </a:xfrm>
-            <a:prstGeom prst="ellipse">
-              <a:avLst/>
-            </a:prstGeom>
-            <a:solidFill>
-              <a:schemeClr val="bg1"/>
-            </a:solidFill>
-            <a:ln w="25400">
-              <a:solidFill>
-                <a:schemeClr val="tx1">
-                  <a:lumMod val="50000"/>
-                  <a:lumOff val="50000"/>
-                </a:schemeClr>
-              </a:solidFill>
-            </a:ln>
-          </p:spPr>
-          <p:style>
-            <a:lnRef idx="2">
-              <a:schemeClr val="accent1">
-                <a:shade val="50000"/>
-              </a:schemeClr>
-            </a:lnRef>
-            <a:fillRef idx="1">
-              <a:schemeClr val="accent1"/>
-            </a:fillRef>
-            <a:effectRef idx="0">
-              <a:schemeClr val="accent1"/>
-            </a:effectRef>
-            <a:fontRef idx="minor">
-              <a:schemeClr val="lt1"/>
-            </a:fontRef>
-          </p:style>
-          <p:txBody>
-            <a:bodyPr rtlCol="0" anchor="ctr"/>
-            <a:lstStyle/>
-            <a:p>
-              <a:pPr algn="ctr"/>
-              <a:endParaRPr lang="en-NL"/>
-            </a:p>
-          </p:txBody>
-        </p:sp>
-      </p:grpSp>
-      <p:sp>
-        <p:nvSpPr>
-          <p:cNvPr id="23" name="Rounded Rectangle 22">
-            <a:extLst>
-              <a:ext uri="{FF2B5EF4-FFF2-40B4-BE49-F238E27FC236}">
-                <a16:creationId xmlns:a16="http://schemas.microsoft.com/office/drawing/2014/main" id="{B6057591-8647-3D4A-81B4-5476E6FF5BD3}"/>
-              </a:ext>
-            </a:extLst>
-          </p:cNvPr>
-          <p:cNvSpPr/>
-          <p:nvPr/>
-        </p:nvSpPr>
-        <p:spPr>
-          <a:xfrm>
-            <a:off x="6826801" y="3429000"/>
-            <a:ext cx="4153555" cy="2033649"/>
-          </a:xfrm>
-          <a:prstGeom prst="roundRect">
-            <a:avLst/>
-          </a:prstGeom>
-          <a:solidFill>
-            <a:schemeClr val="tx2">
-              <a:lumMod val="20000"/>
-              <a:lumOff val="80000"/>
-            </a:schemeClr>
-          </a:solidFill>
-          <a:ln>
-            <a:noFill/>
-          </a:ln>
-        </p:spPr>
-        <p:style>
-          <a:lnRef idx="2">
-            <a:schemeClr val="accent1">
-              <a:shade val="50000"/>
-            </a:schemeClr>
-          </a:lnRef>
-          <a:fillRef idx="1">
-            <a:schemeClr val="accent1"/>
-          </a:fillRef>
-          <a:effectRef idx="0">
-            <a:schemeClr val="accent1"/>
-          </a:effectRef>
-          <a:fontRef idx="minor">
-            <a:schemeClr val="lt1"/>
-          </a:fontRef>
-        </p:style>
-        <p:txBody>
-          <a:bodyPr rtlCol="0" anchor="ctr"/>
-          <a:lstStyle/>
-          <a:p>
-            <a:r>
-              <a:rPr lang="en-US" sz="1600" dirty="0">
-                <a:solidFill>
-                  <a:schemeClr val="tx1"/>
-                </a:solidFill>
-              </a:rPr>
-              <a:t>Deleting a branch</a:t>
-            </a:r>
-          </a:p>
-          <a:p>
-            <a:endParaRPr lang="en-US" sz="1600" dirty="0">
-              <a:solidFill>
-                <a:schemeClr val="tx1"/>
-              </a:solidFill>
-            </a:endParaRPr>
-          </a:p>
-          <a:p>
-            <a:r>
-              <a:rPr lang="en-US" sz="1600" dirty="0">
-                <a:solidFill>
-                  <a:schemeClr val="tx1"/>
-                </a:solidFill>
-              </a:rPr>
-              <a:t>$ git branch – merged</a:t>
-            </a:r>
-          </a:p>
-          <a:p>
-            <a:r>
-              <a:rPr lang="en-US" sz="1600" dirty="0">
-                <a:solidFill>
-                  <a:schemeClr val="tx1"/>
-                </a:solidFill>
-              </a:rPr>
-              <a:t>$ git branch –d calculation-divide</a:t>
-            </a:r>
-          </a:p>
-          <a:p>
-            <a:r>
-              <a:rPr lang="en-US" sz="1600" dirty="0">
-                <a:solidFill>
-                  <a:schemeClr val="tx1"/>
-                </a:solidFill>
-              </a:rPr>
-              <a:t>$ git branch –a # to view in remote</a:t>
-            </a:r>
-          </a:p>
-          <a:p>
-            <a:r>
-              <a:rPr lang="en-US" sz="1600" dirty="0">
-                <a:solidFill>
-                  <a:schemeClr val="tx1"/>
-                </a:solidFill>
-              </a:rPr>
-              <a:t>$ git push origin –delete calculation-divide # delete remote origin</a:t>
-            </a:r>
-          </a:p>
-        </p:txBody>
-      </p:sp>
-      <p:sp>
-        <p:nvSpPr>
-          <p:cNvPr id="24" name="Rounded Rectangle 23">
-            <a:extLst>
-              <a:ext uri="{FF2B5EF4-FFF2-40B4-BE49-F238E27FC236}">
-                <a16:creationId xmlns:a16="http://schemas.microsoft.com/office/drawing/2014/main" id="{64722F97-0C1E-7B45-AA3B-A95866BE7433}"/>
-              </a:ext>
-            </a:extLst>
-          </p:cNvPr>
-          <p:cNvSpPr/>
-          <p:nvPr/>
-        </p:nvSpPr>
-        <p:spPr>
-          <a:xfrm>
-            <a:off x="190007" y="685062"/>
-            <a:ext cx="4330874" cy="3218838"/>
-          </a:xfrm>
-          <a:prstGeom prst="roundRect">
-            <a:avLst/>
-          </a:prstGeom>
-          <a:solidFill>
-            <a:schemeClr val="tx2">
-              <a:lumMod val="20000"/>
-              <a:lumOff val="80000"/>
-            </a:schemeClr>
-          </a:solidFill>
-          <a:ln>
-            <a:noFill/>
-          </a:ln>
-        </p:spPr>
-        <p:style>
-          <a:lnRef idx="2">
-            <a:schemeClr val="accent1">
-              <a:shade val="50000"/>
-            </a:schemeClr>
-          </a:lnRef>
-          <a:fillRef idx="1">
-            <a:schemeClr val="accent1"/>
-          </a:fillRef>
-          <a:effectRef idx="0">
-            <a:schemeClr val="accent1"/>
-          </a:effectRef>
-          <a:fontRef idx="minor">
-            <a:schemeClr val="lt1"/>
-          </a:fontRef>
-        </p:style>
-        <p:txBody>
-          <a:bodyPr rtlCol="0" anchor="ctr"/>
-          <a:lstStyle/>
-          <a:p>
-            <a:r>
-              <a:rPr lang="en-US" sz="1600" dirty="0">
-                <a:solidFill>
-                  <a:schemeClr val="tx1"/>
-                </a:solidFill>
-              </a:rPr>
-              <a:t>Merge a branch</a:t>
-            </a:r>
-          </a:p>
-          <a:p>
-            <a:endParaRPr lang="en-US" sz="1600" dirty="0">
-              <a:solidFill>
-                <a:schemeClr val="tx1"/>
-              </a:solidFill>
-            </a:endParaRPr>
-          </a:p>
-          <a:p>
-            <a:r>
-              <a:rPr lang="en-US" sz="1600" dirty="0">
-                <a:solidFill>
-                  <a:schemeClr val="tx1"/>
-                </a:solidFill>
-              </a:rPr>
-              <a:t>$ git checkout master</a:t>
-            </a:r>
-          </a:p>
-          <a:p>
-            <a:r>
-              <a:rPr lang="en-US" sz="1600" dirty="0">
-                <a:solidFill>
-                  <a:schemeClr val="tx1"/>
-                </a:solidFill>
-              </a:rPr>
-              <a:t>$ git pull origin master</a:t>
-            </a:r>
-          </a:p>
-          <a:p>
-            <a:pPr marL="285750" indent="-285750">
-              <a:buFont typeface="Wingdings" pitchFamily="2" charset="2"/>
-              <a:buChar char="§"/>
-            </a:pPr>
-            <a:r>
-              <a:rPr lang="en-US" sz="1600" dirty="0">
-                <a:solidFill>
-                  <a:schemeClr val="tx1"/>
-                </a:solidFill>
-              </a:rPr>
-              <a:t>Only remote origin master to </a:t>
-            </a:r>
-          </a:p>
-          <a:p>
-            <a:r>
-              <a:rPr lang="en-US" sz="1600" dirty="0">
-                <a:solidFill>
-                  <a:schemeClr val="tx1"/>
-                </a:solidFill>
-              </a:rPr>
-              <a:t>$ git merge calculation-divide</a:t>
-            </a:r>
-          </a:p>
-          <a:p>
-            <a:r>
-              <a:rPr lang="en-US" sz="1600" dirty="0">
-                <a:solidFill>
-                  <a:schemeClr val="tx1"/>
-                </a:solidFill>
-              </a:rPr>
-              <a:t>$ git push origin master</a:t>
-            </a:r>
-          </a:p>
-          <a:p>
-            <a:pPr marL="285750" indent="-285750">
-              <a:buFont typeface="Wingdings" pitchFamily="2" charset="2"/>
-              <a:buChar char="§"/>
-            </a:pPr>
-            <a:r>
-              <a:rPr lang="en-US" sz="1600" dirty="0">
-                <a:solidFill>
-                  <a:schemeClr val="tx1"/>
-                </a:solidFill>
-              </a:rPr>
-              <a:t>Only branch master pushed to remote</a:t>
-            </a:r>
-          </a:p>
-          <a:p>
-            <a:r>
-              <a:rPr lang="en-US" sz="1600" dirty="0">
-                <a:solidFill>
-                  <a:schemeClr val="tx1"/>
-                </a:solidFill>
-              </a:rPr>
-              <a:t>$ git push origin test</a:t>
-            </a:r>
-          </a:p>
-          <a:p>
-            <a:pPr marL="285750" indent="-285750">
-              <a:buFont typeface="Wingdings" pitchFamily="2" charset="2"/>
-              <a:buChar char="§"/>
-            </a:pPr>
-            <a:r>
-              <a:rPr lang="en-US" sz="1600" dirty="0">
-                <a:solidFill>
-                  <a:schemeClr val="tx1"/>
-                </a:solidFill>
-              </a:rPr>
-              <a:t>Test branch loaded in remote</a:t>
-            </a:r>
-          </a:p>
-          <a:p>
-            <a:r>
-              <a:rPr lang="en-US" sz="1600" dirty="0">
-                <a:solidFill>
-                  <a:schemeClr val="tx1"/>
-                </a:solidFill>
-              </a:rPr>
-              <a:t>$ git push origin --delete test</a:t>
-            </a:r>
-          </a:p>
-          <a:p>
-            <a:pPr marL="285750" indent="-285750">
-              <a:buFont typeface="Wingdings" pitchFamily="2" charset="2"/>
-              <a:buChar char="§"/>
-            </a:pPr>
-            <a:r>
-              <a:rPr lang="en-US" sz="1600">
-                <a:solidFill>
-                  <a:schemeClr val="tx1"/>
-                </a:solidFill>
-              </a:rPr>
-              <a:t>Remote test deleted </a:t>
-            </a:r>
-            <a:endParaRPr lang="en-US" sz="1600" dirty="0">
-              <a:solidFill>
-                <a:schemeClr val="tx1"/>
-              </a:solidFill>
-            </a:endParaRPr>
-          </a:p>
-        </p:txBody>
-      </p:sp>
-      <p:grpSp>
-        <p:nvGrpSpPr>
-          <p:cNvPr id="27" name="Group 26">
-            <a:extLst>
-              <a:ext uri="{FF2B5EF4-FFF2-40B4-BE49-F238E27FC236}">
-                <a16:creationId xmlns:a16="http://schemas.microsoft.com/office/drawing/2014/main" id="{7636DA4A-B1C3-994D-8E13-CDAD4601BFE1}"/>
-              </a:ext>
-            </a:extLst>
-          </p:cNvPr>
-          <p:cNvGrpSpPr/>
-          <p:nvPr/>
-        </p:nvGrpSpPr>
-        <p:grpSpPr>
-          <a:xfrm flipV="1">
-            <a:off x="4533956" y="4446557"/>
-            <a:ext cx="950398" cy="825840"/>
-            <a:chOff x="2910823" y="3953108"/>
-            <a:chExt cx="950398" cy="826607"/>
-          </a:xfrm>
-        </p:grpSpPr>
-        <p:cxnSp>
-          <p:nvCxnSpPr>
-            <p:cNvPr id="28" name="Curved Connector 27">
-              <a:extLst>
-                <a:ext uri="{FF2B5EF4-FFF2-40B4-BE49-F238E27FC236}">
-                  <a16:creationId xmlns:a16="http://schemas.microsoft.com/office/drawing/2014/main" id="{919751E5-D9C3-BF4B-BB53-E542C255F1D8}"/>
-                </a:ext>
-              </a:extLst>
-            </p:cNvPr>
-            <p:cNvCxnSpPr>
-              <a:cxnSpLocks/>
-            </p:cNvCxnSpPr>
-            <p:nvPr/>
-          </p:nvCxnSpPr>
-          <p:spPr>
-            <a:xfrm rot="10800000">
-              <a:off x="3141221" y="4059046"/>
-              <a:ext cx="720000" cy="720669"/>
-            </a:xfrm>
-            <a:prstGeom prst="curvedConnector3">
-              <a:avLst>
-                <a:gd name="adj1" fmla="val 0"/>
-              </a:avLst>
-            </a:prstGeom>
-            <a:ln w="25400">
-              <a:solidFill>
-                <a:schemeClr val="tx1">
-                  <a:lumMod val="50000"/>
-                  <a:lumOff val="50000"/>
-                </a:schemeClr>
-              </a:solidFill>
-            </a:ln>
-          </p:spPr>
-          <p:style>
-            <a:lnRef idx="1">
-              <a:schemeClr val="accent1"/>
-            </a:lnRef>
-            <a:fillRef idx="0">
-              <a:schemeClr val="accent1"/>
-            </a:fillRef>
-            <a:effectRef idx="0">
-              <a:schemeClr val="accent1"/>
-            </a:effectRef>
-            <a:fontRef idx="minor">
-              <a:schemeClr val="tx1"/>
-            </a:fontRef>
-          </p:style>
-        </p:cxnSp>
-        <p:sp>
-          <p:nvSpPr>
-            <p:cNvPr id="29" name="Oval 28">
-              <a:extLst>
-                <a:ext uri="{FF2B5EF4-FFF2-40B4-BE49-F238E27FC236}">
-                  <a16:creationId xmlns:a16="http://schemas.microsoft.com/office/drawing/2014/main" id="{8DB2A7CB-BC9C-6B43-8AEA-20D2195C7071}"/>
-                </a:ext>
-              </a:extLst>
-            </p:cNvPr>
-            <p:cNvSpPr/>
-            <p:nvPr/>
-          </p:nvSpPr>
-          <p:spPr>
-            <a:xfrm flipH="1">
-              <a:off x="2910823" y="3953108"/>
-              <a:ext cx="223024" cy="211874"/>
-            </a:xfrm>
-            <a:prstGeom prst="ellipse">
-              <a:avLst/>
-            </a:prstGeom>
-            <a:solidFill>
-              <a:schemeClr val="bg1"/>
-            </a:solidFill>
-            <a:ln w="25400">
-              <a:solidFill>
-                <a:schemeClr val="tx1">
-                  <a:lumMod val="50000"/>
-                  <a:lumOff val="50000"/>
-                </a:schemeClr>
-              </a:solidFill>
-            </a:ln>
-          </p:spPr>
-          <p:style>
-            <a:lnRef idx="2">
-              <a:schemeClr val="accent1">
-                <a:shade val="50000"/>
-              </a:schemeClr>
-            </a:lnRef>
-            <a:fillRef idx="1">
-              <a:schemeClr val="accent1"/>
-            </a:fillRef>
-            <a:effectRef idx="0">
-              <a:schemeClr val="accent1"/>
-            </a:effectRef>
-            <a:fontRef idx="minor">
-              <a:schemeClr val="lt1"/>
-            </a:fontRef>
-          </p:style>
-          <p:txBody>
-            <a:bodyPr rtlCol="0" anchor="ctr"/>
-            <a:lstStyle/>
-            <a:p>
-              <a:pPr algn="ctr"/>
-              <a:endParaRPr lang="en-NL"/>
-            </a:p>
-          </p:txBody>
-        </p:sp>
-      </p:grpSp>
-      <p:sp>
-        <p:nvSpPr>
-          <p:cNvPr id="30" name="Rounded Rectangle 29">
-            <a:extLst>
-              <a:ext uri="{FF2B5EF4-FFF2-40B4-BE49-F238E27FC236}">
-                <a16:creationId xmlns:a16="http://schemas.microsoft.com/office/drawing/2014/main" id="{48942F69-26B6-E94C-81CA-6149F90D1D58}"/>
-              </a:ext>
-            </a:extLst>
-          </p:cNvPr>
-          <p:cNvSpPr/>
-          <p:nvPr/>
-        </p:nvSpPr>
-        <p:spPr>
-          <a:xfrm>
-            <a:off x="190007" y="4579545"/>
-            <a:ext cx="4330874" cy="1744694"/>
-          </a:xfrm>
-          <a:prstGeom prst="roundRect">
-            <a:avLst/>
-          </a:prstGeom>
-          <a:solidFill>
-            <a:schemeClr val="tx2">
-              <a:lumMod val="20000"/>
-              <a:lumOff val="80000"/>
-            </a:schemeClr>
-          </a:solidFill>
-          <a:ln>
-            <a:noFill/>
-          </a:ln>
-        </p:spPr>
-        <p:style>
-          <a:lnRef idx="2">
-            <a:schemeClr val="accent1">
-              <a:shade val="50000"/>
-            </a:schemeClr>
-          </a:lnRef>
-          <a:fillRef idx="1">
-            <a:schemeClr val="accent1"/>
-          </a:fillRef>
-          <a:effectRef idx="0">
-            <a:schemeClr val="accent1"/>
-          </a:effectRef>
-          <a:fontRef idx="minor">
-            <a:schemeClr val="lt1"/>
-          </a:fontRef>
-        </p:style>
-        <p:txBody>
-          <a:bodyPr rtlCol="0" anchor="ctr"/>
-          <a:lstStyle/>
-          <a:p>
-            <a:pPr marL="285750" indent="-285750">
-              <a:buFont typeface="Wingdings" pitchFamily="2" charset="2"/>
-              <a:buChar char="§"/>
-            </a:pPr>
-            <a:r>
-              <a:rPr lang="en-NL" sz="1600" dirty="0">
-                <a:solidFill>
-                  <a:schemeClr val="tx1"/>
-                </a:solidFill>
-              </a:rPr>
-              <a:t>File itself called HEAD</a:t>
-            </a:r>
-          </a:p>
-          <a:p>
-            <a:pPr marL="285750" indent="-285750">
-              <a:buFont typeface="Wingdings" pitchFamily="2" charset="2"/>
-              <a:buChar char="§"/>
-            </a:pPr>
-            <a:r>
-              <a:rPr lang="en-GB" sz="1600" dirty="0">
-                <a:solidFill>
-                  <a:schemeClr val="tx1"/>
-                </a:solidFill>
-              </a:rPr>
-              <a:t>O</a:t>
-            </a:r>
-            <a:r>
-              <a:rPr lang="en-NL" sz="1600" dirty="0">
-                <a:solidFill>
-                  <a:schemeClr val="tx1"/>
-                </a:solidFill>
-              </a:rPr>
-              <a:t>nce commit to git, automatically generate branch called master: HEAD</a:t>
-            </a:r>
-            <a:r>
-              <a:rPr lang="en-NL" sz="1600" dirty="0">
-                <a:solidFill>
-                  <a:schemeClr val="tx1"/>
-                </a:solidFill>
-                <a:sym typeface="Wingdings" pitchFamily="2" charset="2"/>
-              </a:rPr>
-              <a:t> master, with a hash number</a:t>
-            </a:r>
-          </a:p>
-          <a:p>
-            <a:pPr marL="285750" indent="-285750">
-              <a:buFont typeface="Wingdings" pitchFamily="2" charset="2"/>
-              <a:buChar char="§"/>
-            </a:pPr>
-            <a:r>
-              <a:rPr lang="en-NL" sz="1600" dirty="0">
-                <a:solidFill>
-                  <a:schemeClr val="tx1"/>
-                </a:solidFill>
-                <a:sym typeface="Wingdings" pitchFamily="2" charset="2"/>
-              </a:rPr>
-              <a:t> branch is to copy the origionals master, then upgrade it </a:t>
-            </a:r>
-          </a:p>
-        </p:txBody>
-      </p:sp>
-    </p:spTree>
-    <p:extLst>
-      <p:ext uri="{BB962C8B-B14F-4D97-AF65-F5344CB8AC3E}">
-        <p14:creationId xmlns:p14="http://schemas.microsoft.com/office/powerpoint/2010/main" val="4261898244"/>
-      </p:ext>
-    </p:extLst>
-  </p:cSld>
-  <p:clrMapOvr>
-    <a:masterClrMapping/>
-  </p:clrMapOvr>
-</p:sld>
-</file>
-
-<file path=ppt/slides/slide21.xml><?xml version="1.0" encoding="utf-8"?>
-<p:sld xmlns:a="http://schemas.openxmlformats.org/drawingml/2006/main" xmlns:r="http://schemas.openxmlformats.org/officeDocument/2006/relationships" xmlns:p="http://schemas.openxmlformats.org/presentationml/2006/main">
-  <p:cSld>
-    <p:spTree>
-      <p:nvGrpSpPr>
-        <p:cNvPr id="1" name=""/>
-        <p:cNvGrpSpPr/>
-        <p:nvPr/>
-      </p:nvGrpSpPr>
-      <p:grpSpPr>
-        <a:xfrm>
-          <a:off x="0" y="0"/>
-          <a:ext cx="0" cy="0"/>
-          <a:chOff x="0" y="0"/>
-          <a:chExt cx="0" cy="0"/>
-        </a:xfrm>
-      </p:grpSpPr>
-      <p:pic>
-        <p:nvPicPr>
-          <p:cNvPr id="29" name="Picture 28" descr="Diagram&#10;&#10;Description automatically generated">
-            <a:extLst>
-              <a:ext uri="{FF2B5EF4-FFF2-40B4-BE49-F238E27FC236}">
-                <a16:creationId xmlns:a16="http://schemas.microsoft.com/office/drawing/2014/main" id="{2A02E16E-F01D-1447-93E6-DD24C41808E1}"/>
-              </a:ext>
-            </a:extLst>
-          </p:cNvPr>
-          <p:cNvPicPr>
-            <a:picLocks noChangeAspect="1"/>
-          </p:cNvPicPr>
-          <p:nvPr/>
-        </p:nvPicPr>
-        <p:blipFill>
-          <a:blip r:embed="rId2"/>
-          <a:stretch>
-            <a:fillRect/>
-          </a:stretch>
-        </p:blipFill>
-        <p:spPr>
-          <a:xfrm>
-            <a:off x="0" y="0"/>
-            <a:ext cx="5070188" cy="2392326"/>
-          </a:xfrm>
-          <a:prstGeom prst="rect">
-            <a:avLst/>
-          </a:prstGeom>
-        </p:spPr>
-      </p:pic>
-      <p:graphicFrame>
-        <p:nvGraphicFramePr>
-          <p:cNvPr id="30" name="Table 30">
-            <a:extLst>
-              <a:ext uri="{FF2B5EF4-FFF2-40B4-BE49-F238E27FC236}">
-                <a16:creationId xmlns:a16="http://schemas.microsoft.com/office/drawing/2014/main" id="{EB9C639B-68BA-A943-AAE5-3948C1A70EF0}"/>
-              </a:ext>
-            </a:extLst>
-          </p:cNvPr>
-          <p:cNvGraphicFramePr>
-            <a:graphicFrameLocks noGrp="1"/>
-          </p:cNvGraphicFramePr>
-          <p:nvPr>
-            <p:extLst>
-              <p:ext uri="{D42A27DB-BD31-4B8C-83A1-F6EECF244321}">
-                <p14:modId xmlns:p14="http://schemas.microsoft.com/office/powerpoint/2010/main" val="792915752"/>
-              </p:ext>
-            </p:extLst>
-          </p:nvPr>
-        </p:nvGraphicFramePr>
-        <p:xfrm>
-          <a:off x="223281" y="2590996"/>
-          <a:ext cx="10558132" cy="3723640"/>
-        </p:xfrm>
-        <a:graphic>
-          <a:graphicData uri="http://schemas.openxmlformats.org/drawingml/2006/table">
-            <a:tbl>
-              <a:tblPr firstRow="1" bandRow="1">
-                <a:tableStyleId>{5C22544A-7EE6-4342-B048-85BDC9FD1C3A}</a:tableStyleId>
-              </a:tblPr>
-              <a:tblGrid>
-                <a:gridCol w="5279066">
-                  <a:extLst>
-                    <a:ext uri="{9D8B030D-6E8A-4147-A177-3AD203B41FA5}">
-                      <a16:colId xmlns:a16="http://schemas.microsoft.com/office/drawing/2014/main" val="4160132755"/>
-                    </a:ext>
-                  </a:extLst>
-                </a:gridCol>
-                <a:gridCol w="5279066">
-                  <a:extLst>
-                    <a:ext uri="{9D8B030D-6E8A-4147-A177-3AD203B41FA5}">
-                      <a16:colId xmlns:a16="http://schemas.microsoft.com/office/drawing/2014/main" val="2569001690"/>
-                    </a:ext>
-                  </a:extLst>
-                </a:gridCol>
-              </a:tblGrid>
-              <a:tr h="370840">
-                <a:tc>
-                  <a:txBody>
-                    <a:bodyPr/>
-                    <a:lstStyle/>
-                    <a:p>
-                      <a:r>
-                        <a:rPr lang="en-NL" dirty="0"/>
-                        <a:t>File: index.html</a:t>
-                      </a:r>
-                    </a:p>
-                  </a:txBody>
-                  <a:tcPr/>
-                </a:tc>
-                <a:tc>
-                  <a:txBody>
-                    <a:bodyPr/>
-                    <a:lstStyle/>
-                    <a:p>
-                      <a:endParaRPr lang="en-NL"/>
-                    </a:p>
-                  </a:txBody>
-                  <a:tcPr/>
-                </a:tc>
-                <a:extLst>
-                  <a:ext uri="{0D108BD9-81ED-4DB2-BD59-A6C34878D82A}">
-                    <a16:rowId xmlns:a16="http://schemas.microsoft.com/office/drawing/2014/main" val="2051381027"/>
-                  </a:ext>
-                </a:extLst>
-              </a:tr>
-              <a:tr h="370840">
-                <a:tc>
-                  <a:txBody>
-                    <a:bodyPr/>
-                    <a:lstStyle/>
-                    <a:p>
-                      <a:r>
-                        <a:rPr lang="en-NL" sz="1600" dirty="0"/>
-                        <a:t># manual change in index.html and save it</a:t>
-                      </a:r>
-                    </a:p>
-                    <a:p>
-                      <a:r>
-                        <a:rPr lang="en-NL" sz="1600" dirty="0"/>
-                        <a:t>$ git status # see modified file</a:t>
-                      </a:r>
-                    </a:p>
-                    <a:p>
-                      <a:r>
-                        <a:rPr lang="en-NL" sz="1600" dirty="0"/>
-                        <a:t>$ git diff # see the difference before and after changes</a:t>
-                      </a:r>
-                    </a:p>
-                    <a:p>
-                      <a:r>
-                        <a:rPr lang="en-NL" sz="1600" dirty="0"/>
-                        <a:t>$ git restore index.html # discard changes</a:t>
-                      </a:r>
-                    </a:p>
-                    <a:p>
-                      <a:pPr marL="0" marR="0" lvl="0" indent="0" algn="l" defTabSz="914400" rtl="0" eaLnBrk="1" fontAlgn="auto" latinLnBrk="0" hangingPunct="1">
-                        <a:lnSpc>
-                          <a:spcPct val="100000"/>
-                        </a:lnSpc>
-                        <a:spcBef>
-                          <a:spcPts val="0"/>
-                        </a:spcBef>
-                        <a:spcAft>
-                          <a:spcPts val="0"/>
-                        </a:spcAft>
-                        <a:buClrTx/>
-                        <a:buSzTx/>
-                        <a:buFontTx/>
-                        <a:buNone/>
-                        <a:tabLst/>
-                        <a:defRPr/>
-                      </a:pPr>
-                      <a:r>
-                        <a:rPr lang="en-NL" sz="1600" dirty="0"/>
-                        <a:t>$ git checkout index.html # discard changes</a:t>
-                      </a:r>
-                    </a:p>
-                  </a:txBody>
-                  <a:tcPr/>
-                </a:tc>
-                <a:tc>
-                  <a:txBody>
-                    <a:bodyPr/>
-                    <a:lstStyle/>
-                    <a:p>
-                      <a:r>
-                        <a:rPr lang="en-NL" sz="1600" dirty="0"/>
-                        <a:t>$ git reset index.html # remove the file from tracking (unstaged)</a:t>
-                      </a:r>
-                    </a:p>
-                    <a:p>
-                      <a:r>
-                        <a:rPr lang="en-NL" sz="1600" dirty="0"/>
-                        <a:t>$ git add index.html</a:t>
-                      </a:r>
-                    </a:p>
-                    <a:p>
-                      <a:r>
-                        <a:rPr lang="en-NL" sz="1600" dirty="0"/>
-                        <a:t>$ git commit –m ‘v1’</a:t>
-                      </a:r>
-                    </a:p>
-                    <a:p>
-                      <a:r>
-                        <a:rPr lang="en-NL" sz="1600" dirty="0"/>
-                        <a:t>$ git log --oneline</a:t>
-                      </a:r>
-                    </a:p>
-                  </a:txBody>
-                  <a:tcPr/>
-                </a:tc>
-                <a:extLst>
-                  <a:ext uri="{0D108BD9-81ED-4DB2-BD59-A6C34878D82A}">
-                    <a16:rowId xmlns:a16="http://schemas.microsoft.com/office/drawing/2014/main" val="3989569605"/>
-                  </a:ext>
-                </a:extLst>
-              </a:tr>
-              <a:tr h="370840">
-                <a:tc>
-                  <a:txBody>
-                    <a:bodyPr/>
-                    <a:lstStyle/>
-                    <a:p>
-                      <a:pPr marL="0" marR="0" lvl="0" indent="0" algn="l" defTabSz="914400" rtl="0" eaLnBrk="1" fontAlgn="auto" latinLnBrk="0" hangingPunct="1">
-                        <a:lnSpc>
-                          <a:spcPct val="100000"/>
-                        </a:lnSpc>
-                        <a:spcBef>
-                          <a:spcPts val="0"/>
-                        </a:spcBef>
-                        <a:spcAft>
-                          <a:spcPts val="0"/>
-                        </a:spcAft>
-                        <a:buClrTx/>
-                        <a:buSzTx/>
-                        <a:buFontTx/>
-                        <a:buNone/>
-                        <a:tabLst/>
-                        <a:defRPr/>
-                      </a:pPr>
-                      <a:r>
-                        <a:rPr lang="en-NL" sz="1600" dirty="0"/>
-                        <a:t># repeat procedure in Terminal grid </a:t>
-                      </a:r>
-                    </a:p>
-                    <a:p>
-                      <a:pPr marL="0" marR="0" lvl="0" indent="0" algn="l" defTabSz="914400" rtl="0" eaLnBrk="1" fontAlgn="auto" latinLnBrk="0" hangingPunct="1">
-                        <a:lnSpc>
-                          <a:spcPct val="100000"/>
-                        </a:lnSpc>
-                        <a:spcBef>
-                          <a:spcPts val="0"/>
-                        </a:spcBef>
-                        <a:spcAft>
-                          <a:spcPts val="0"/>
-                        </a:spcAft>
-                        <a:buClrTx/>
-                        <a:buSzTx/>
-                        <a:buFontTx/>
-                        <a:buNone/>
-                        <a:tabLst/>
-                        <a:defRPr/>
-                      </a:pPr>
-                      <a:r>
-                        <a:rPr lang="en-NL" sz="1600" dirty="0"/>
-                        <a:t># manual change in index.html and save it</a:t>
-                      </a:r>
-                    </a:p>
-                    <a:p>
-                      <a:r>
-                        <a:rPr lang="en-NL" sz="1600" dirty="0"/>
-                        <a:t>$ git status</a:t>
-                      </a:r>
-                    </a:p>
-                    <a:p>
-                      <a:r>
-                        <a:rPr lang="en-NL" sz="1600" dirty="0"/>
-                        <a:t>$ git add .</a:t>
-                      </a:r>
-                    </a:p>
-                    <a:p>
-                      <a:r>
-                        <a:rPr lang="en-NL" sz="1600" dirty="0"/>
-                        <a:t>$ git diff # no response</a:t>
-                      </a:r>
-                    </a:p>
-                    <a:p>
-                      <a:r>
-                        <a:rPr lang="en-NL" sz="1600" dirty="0"/>
-                        <a:t>$ git diff –staged # no response after commit</a:t>
-                      </a:r>
-                    </a:p>
-                    <a:p>
-                      <a:r>
-                        <a:rPr lang="en-NL" sz="1600" dirty="0"/>
-                        <a:t>$ git restore # no response</a:t>
-                      </a:r>
-                    </a:p>
-                    <a:p>
-                      <a:r>
-                        <a:rPr lang="en-NL" sz="1600" dirty="0"/>
-                        <a:t>$ git checkout # no response</a:t>
-                      </a:r>
-                    </a:p>
-                  </a:txBody>
-                  <a:tcPr/>
-                </a:tc>
-                <a:tc>
-                  <a:txBody>
-                    <a:bodyPr/>
-                    <a:lstStyle/>
-                    <a:p>
-                      <a:r>
-                        <a:rPr lang="en-NL" sz="1600" dirty="0"/>
-                        <a:t># many versions of index.html (v1, v2, v3, v4, v5)</a:t>
-                      </a:r>
-                    </a:p>
-                    <a:p>
-                      <a:r>
-                        <a:rPr lang="en-NL" sz="1600" dirty="0"/>
-                        <a:t>$ git log –oneline </a:t>
-                      </a:r>
-                    </a:p>
-                    <a:p>
-                      <a:r>
-                        <a:rPr lang="en-NL" sz="1600" dirty="0"/>
-                        <a:t># v4 is perfect, keep other versions</a:t>
-                      </a:r>
-                    </a:p>
-                    <a:p>
-                      <a:r>
-                        <a:rPr lang="en-NL" sz="1600" dirty="0">
-                          <a:highlight>
-                            <a:srgbClr val="FFFF00"/>
-                          </a:highlight>
-                        </a:rPr>
-                        <a:t>$ git reset –hard &lt;v4_hash_number&gt; # file back to v4 </a:t>
-                      </a:r>
-                    </a:p>
-                    <a:p>
-                      <a:r>
-                        <a:rPr lang="en-NL" sz="1600" dirty="0"/>
-                        <a:t>$ git reflog # track all commit</a:t>
-                      </a:r>
-                    </a:p>
-                    <a:p>
-                      <a:r>
-                        <a:rPr lang="en-NL" sz="1600" dirty="0"/>
-                        <a:t>$ git checkout &lt;v4_hash_number&gt; # later than v4 are gone</a:t>
-                      </a:r>
-                    </a:p>
-                    <a:p>
-                      <a:endParaRPr lang="en-NL" sz="1600" dirty="0"/>
-                    </a:p>
-                  </a:txBody>
-                  <a:tcPr/>
-                </a:tc>
-                <a:extLst>
-                  <a:ext uri="{0D108BD9-81ED-4DB2-BD59-A6C34878D82A}">
-                    <a16:rowId xmlns:a16="http://schemas.microsoft.com/office/drawing/2014/main" val="1493303448"/>
-                  </a:ext>
-                </a:extLst>
-              </a:tr>
-            </a:tbl>
-          </a:graphicData>
-        </a:graphic>
-      </p:graphicFrame>
-      <p:graphicFrame>
-        <p:nvGraphicFramePr>
-          <p:cNvPr id="31" name="Table 31">
-            <a:extLst>
-              <a:ext uri="{FF2B5EF4-FFF2-40B4-BE49-F238E27FC236}">
-                <a16:creationId xmlns:a16="http://schemas.microsoft.com/office/drawing/2014/main" id="{E1634FE9-D1BD-D941-B603-D80989A8F5B1}"/>
-              </a:ext>
-            </a:extLst>
-          </p:cNvPr>
-          <p:cNvGraphicFramePr>
-            <a:graphicFrameLocks noGrp="1"/>
-          </p:cNvGraphicFramePr>
-          <p:nvPr>
-            <p:extLst>
-              <p:ext uri="{D42A27DB-BD31-4B8C-83A1-F6EECF244321}">
-                <p14:modId xmlns:p14="http://schemas.microsoft.com/office/powerpoint/2010/main" val="3091588590"/>
-              </p:ext>
-            </p:extLst>
-          </p:nvPr>
-        </p:nvGraphicFramePr>
-        <p:xfrm>
-          <a:off x="5699050" y="39177"/>
-          <a:ext cx="4429051" cy="2382520"/>
-        </p:xfrm>
-        <a:graphic>
-          <a:graphicData uri="http://schemas.openxmlformats.org/drawingml/2006/table">
-            <a:tbl>
-              <a:tblPr firstRow="1" bandRow="1">
-                <a:tableStyleId>{5C22544A-7EE6-4342-B048-85BDC9FD1C3A}</a:tableStyleId>
-              </a:tblPr>
-              <a:tblGrid>
-                <a:gridCol w="4429051">
-                  <a:extLst>
-                    <a:ext uri="{9D8B030D-6E8A-4147-A177-3AD203B41FA5}">
-                      <a16:colId xmlns:a16="http://schemas.microsoft.com/office/drawing/2014/main" val="2764885558"/>
-                    </a:ext>
-                  </a:extLst>
-                </a:gridCol>
-              </a:tblGrid>
-              <a:tr h="370840">
-                <a:tc>
-                  <a:txBody>
-                    <a:bodyPr/>
-                    <a:lstStyle/>
-                    <a:p>
-                      <a:r>
-                        <a:rPr lang="en-NL" dirty="0"/>
-                        <a:t>Terminal</a:t>
-                      </a:r>
-                    </a:p>
-                  </a:txBody>
-                  <a:tcPr/>
-                </a:tc>
-                <a:extLst>
-                  <a:ext uri="{0D108BD9-81ED-4DB2-BD59-A6C34878D82A}">
-                    <a16:rowId xmlns:a16="http://schemas.microsoft.com/office/drawing/2014/main" val="2626980101"/>
-                  </a:ext>
-                </a:extLst>
-              </a:tr>
-              <a:tr h="370840">
-                <a:tc>
-                  <a:txBody>
-                    <a:bodyPr/>
-                    <a:lstStyle/>
-                    <a:p>
-                      <a:r>
-                        <a:rPr lang="en-NL" dirty="0"/>
-                        <a:t># go to working directory</a:t>
-                      </a:r>
-                    </a:p>
-                    <a:p>
-                      <a:r>
-                        <a:rPr lang="en-NL" dirty="0"/>
-                        <a:t>$ cd /Volume/../shopping_cart</a:t>
-                      </a:r>
-                    </a:p>
-                    <a:p>
-                      <a:r>
-                        <a:rPr lang="en-NL" dirty="0"/>
-                        <a:t>$ rm –rf .git # remove .git</a:t>
-                      </a:r>
-                    </a:p>
-                    <a:p>
-                      <a:r>
-                        <a:rPr lang="en-NL" dirty="0"/>
-                        <a:t>$ git config –list # check git profile</a:t>
-                      </a:r>
-                    </a:p>
-                    <a:p>
-                      <a:r>
-                        <a:rPr lang="en-NL" dirty="0"/>
-                        <a:t>$ git init # initialize a git repository </a:t>
-                      </a:r>
-                    </a:p>
-                    <a:p>
-                      <a:r>
-                        <a:rPr lang="en-NL" dirty="0"/>
-                        <a:t>$ ls –la</a:t>
-                      </a:r>
-                    </a:p>
-                    <a:p>
-                      <a:r>
-                        <a:rPr lang="en-NL" dirty="0"/>
-                        <a:t>$ git add . # files in git for operation</a:t>
-                      </a:r>
-                    </a:p>
-                  </a:txBody>
-                  <a:tcPr/>
-                </a:tc>
-                <a:extLst>
-                  <a:ext uri="{0D108BD9-81ED-4DB2-BD59-A6C34878D82A}">
-                    <a16:rowId xmlns:a16="http://schemas.microsoft.com/office/drawing/2014/main" val="151731577"/>
-                  </a:ext>
-                </a:extLst>
-              </a:tr>
-            </a:tbl>
-          </a:graphicData>
-        </a:graphic>
-      </p:graphicFrame>
-    </p:spTree>
-    <p:extLst>
-      <p:ext uri="{BB962C8B-B14F-4D97-AF65-F5344CB8AC3E}">
-        <p14:creationId xmlns:p14="http://schemas.microsoft.com/office/powerpoint/2010/main" val="4199894255"/>
-      </p:ext>
-    </p:extLst>
-  </p:cSld>
-  <p:clrMapOvr>
-    <a:masterClrMapping/>
-  </p:clrMapOvr>
-</p:sld>
-</file>
-
-<file path=ppt/slides/slide22.xml><?xml version="1.0" encoding="utf-8"?>
-<p:sld xmlns:a="http://schemas.openxmlformats.org/drawingml/2006/main" xmlns:r="http://schemas.openxmlformats.org/officeDocument/2006/relationships" xmlns:p="http://schemas.openxmlformats.org/presentationml/2006/main">
-  <p:cSld>
-    <p:spTree>
-      <p:nvGrpSpPr>
-        <p:cNvPr id="1" name=""/>
-        <p:cNvGrpSpPr/>
-        <p:nvPr/>
-      </p:nvGrpSpPr>
-      <p:grpSpPr>
-        <a:xfrm>
-          <a:off x="0" y="0"/>
-          <a:ext cx="0" cy="0"/>
-          <a:chOff x="0" y="0"/>
-          <a:chExt cx="0" cy="0"/>
-        </a:xfrm>
-      </p:grpSpPr>
-      <p:grpSp>
-        <p:nvGrpSpPr>
           <p:cNvPr id="32" name="Group 31">
             <a:extLst>
               <a:ext uri="{FF2B5EF4-FFF2-40B4-BE49-F238E27FC236}">
@@ -19809,6 +17818,190 @@
           </a:p>
         </p:txBody>
       </p:sp>
+      <p:sp>
+        <p:nvSpPr>
+          <p:cNvPr id="16" name="Rounded Rectangle 15">
+            <a:extLst>
+              <a:ext uri="{FF2B5EF4-FFF2-40B4-BE49-F238E27FC236}">
+                <a16:creationId xmlns:a16="http://schemas.microsoft.com/office/drawing/2014/main" id="{E39EAB91-C716-3544-B847-D346737CD132}"/>
+              </a:ext>
+            </a:extLst>
+          </p:cNvPr>
+          <p:cNvSpPr/>
+          <p:nvPr/>
+        </p:nvSpPr>
+        <p:spPr>
+          <a:xfrm>
+            <a:off x="190007" y="685062"/>
+            <a:ext cx="4330874" cy="3218838"/>
+          </a:xfrm>
+          <a:prstGeom prst="roundRect">
+            <a:avLst/>
+          </a:prstGeom>
+          <a:solidFill>
+            <a:schemeClr val="tx2">
+              <a:lumMod val="20000"/>
+              <a:lumOff val="80000"/>
+            </a:schemeClr>
+          </a:solidFill>
+          <a:ln>
+            <a:noFill/>
+          </a:ln>
+        </p:spPr>
+        <p:style>
+          <a:lnRef idx="2">
+            <a:schemeClr val="accent1">
+              <a:shade val="50000"/>
+            </a:schemeClr>
+          </a:lnRef>
+          <a:fillRef idx="1">
+            <a:schemeClr val="accent1"/>
+          </a:fillRef>
+          <a:effectRef idx="0">
+            <a:schemeClr val="accent1"/>
+          </a:effectRef>
+          <a:fontRef idx="minor">
+            <a:schemeClr val="lt1"/>
+          </a:fontRef>
+        </p:style>
+        <p:txBody>
+          <a:bodyPr rtlCol="0" anchor="ctr"/>
+          <a:lstStyle/>
+          <a:p>
+            <a:r>
+              <a:rPr lang="en-US" sz="1600" dirty="0">
+                <a:solidFill>
+                  <a:schemeClr val="tx1"/>
+                </a:solidFill>
+              </a:rPr>
+              <a:t>Merge a branch</a:t>
+            </a:r>
+          </a:p>
+          <a:p>
+            <a:endParaRPr lang="en-US" sz="1600" dirty="0">
+              <a:solidFill>
+                <a:schemeClr val="tx1"/>
+              </a:solidFill>
+            </a:endParaRPr>
+          </a:p>
+          <a:p>
+            <a:r>
+              <a:rPr lang="en-US" sz="1600" dirty="0">
+                <a:solidFill>
+                  <a:schemeClr val="tx1"/>
+                </a:solidFill>
+              </a:rPr>
+              <a:t>$ git checkout master</a:t>
+            </a:r>
+          </a:p>
+          <a:p>
+            <a:r>
+              <a:rPr lang="en-US" sz="1600" dirty="0">
+                <a:solidFill>
+                  <a:schemeClr val="tx1"/>
+                </a:solidFill>
+              </a:rPr>
+              <a:t>$ git pull origin master</a:t>
+            </a:r>
+          </a:p>
+          <a:p>
+            <a:pPr marL="285750" indent="-285750">
+              <a:buFont typeface="Wingdings" pitchFamily="2" charset="2"/>
+              <a:buChar char="§"/>
+            </a:pPr>
+            <a:r>
+              <a:rPr lang="en-US" sz="1600" dirty="0">
+                <a:solidFill>
+                  <a:schemeClr val="tx1"/>
+                </a:solidFill>
+              </a:rPr>
+              <a:t>Only remote origin master to </a:t>
+            </a:r>
+          </a:p>
+          <a:p>
+            <a:r>
+              <a:rPr lang="en-US" sz="1600" dirty="0">
+                <a:solidFill>
+                  <a:schemeClr val="tx1"/>
+                </a:solidFill>
+              </a:rPr>
+              <a:t>$ git merge calculation-divide</a:t>
+            </a:r>
+          </a:p>
+          <a:p>
+            <a:r>
+              <a:rPr lang="en-US" sz="1600" dirty="0">
+                <a:solidFill>
+                  <a:schemeClr val="tx1"/>
+                </a:solidFill>
+              </a:rPr>
+              <a:t>$ git push origin master</a:t>
+            </a:r>
+          </a:p>
+          <a:p>
+            <a:pPr marL="285750" indent="-285750">
+              <a:buFont typeface="Wingdings" pitchFamily="2" charset="2"/>
+              <a:buChar char="§"/>
+            </a:pPr>
+            <a:r>
+              <a:rPr lang="en-US" sz="1600" dirty="0">
+                <a:solidFill>
+                  <a:schemeClr val="tx1"/>
+                </a:solidFill>
+              </a:rPr>
+              <a:t>Only branch master pushed to remote</a:t>
+            </a:r>
+          </a:p>
+          <a:p>
+            <a:r>
+              <a:rPr lang="en-US" sz="1600" dirty="0">
+                <a:solidFill>
+                  <a:schemeClr val="tx1"/>
+                </a:solidFill>
+              </a:rPr>
+              <a:t>$ git push origin test</a:t>
+            </a:r>
+          </a:p>
+          <a:p>
+            <a:pPr marL="285750" indent="-285750">
+              <a:buFont typeface="Wingdings" pitchFamily="2" charset="2"/>
+              <a:buChar char="§"/>
+            </a:pPr>
+            <a:r>
+              <a:rPr lang="en-US" sz="1600" dirty="0">
+                <a:solidFill>
+                  <a:schemeClr val="tx1"/>
+                </a:solidFill>
+              </a:rPr>
+              <a:t>Test branch loaded in remote</a:t>
+            </a:r>
+          </a:p>
+          <a:p>
+            <a:r>
+              <a:rPr lang="en-US" sz="1600" dirty="0">
+                <a:solidFill>
+                  <a:schemeClr val="tx1"/>
+                </a:solidFill>
+              </a:rPr>
+              <a:t>$ git push origin --delete test</a:t>
+            </a:r>
+          </a:p>
+          <a:p>
+            <a:pPr marL="285750" indent="-285750">
+              <a:buFont typeface="Wingdings" pitchFamily="2" charset="2"/>
+              <a:buChar char="§"/>
+            </a:pPr>
+            <a:r>
+              <a:rPr lang="en-US" sz="1600" dirty="0">
+                <a:solidFill>
+                  <a:schemeClr val="tx1"/>
+                </a:solidFill>
+              </a:rPr>
+              <a:t>Remote test deleted </a:t>
+            </a:r>
+          </a:p>
+        </p:txBody>
+      </p:sp>
     </p:spTree>
     <p:extLst>
       <p:ext uri="{BB962C8B-B14F-4D97-AF65-F5344CB8AC3E}">
@@ -19822,7 +18015,7 @@
 </p:sld>
 </file>
 
-<file path=ppt/slides/slide23.xml><?xml version="1.0" encoding="utf-8"?>
+<file path=ppt/slides/slide21.xml><?xml version="1.0" encoding="utf-8"?>
 <p:sld xmlns:a="http://schemas.openxmlformats.org/drawingml/2006/main" xmlns:r="http://schemas.openxmlformats.org/officeDocument/2006/relationships" xmlns:p="http://schemas.openxmlformats.org/presentationml/2006/main">
   <p:cSld>
     <p:spTree>
@@ -20564,7 +18757,7 @@
 </p:sld>
 </file>
 
-<file path=ppt/slides/slide24.xml><?xml version="1.0" encoding="utf-8"?>
+<file path=ppt/slides/slide22.xml><?xml version="1.0" encoding="utf-8"?>
 <p:sld xmlns:a="http://schemas.openxmlformats.org/drawingml/2006/main" xmlns:r="http://schemas.openxmlformats.org/officeDocument/2006/relationships" xmlns:p="http://schemas.openxmlformats.org/presentationml/2006/main">
   <p:cSld>
     <p:spTree>
@@ -20871,7 +19064,7 @@
 </p:sld>
 </file>
 
-<file path=ppt/slides/slide25.xml><?xml version="1.0" encoding="utf-8"?>
+<file path=ppt/slides/slide23.xml><?xml version="1.0" encoding="utf-8"?>
 <p:sld xmlns:a="http://schemas.openxmlformats.org/drawingml/2006/main" xmlns:r="http://schemas.openxmlformats.org/officeDocument/2006/relationships" xmlns:p="http://schemas.openxmlformats.org/presentationml/2006/main">
   <p:cSld>
     <p:spTree>
@@ -21220,8 +19413,8 @@
         </p:nvSpPr>
         <p:spPr>
           <a:xfrm>
-            <a:off x="1610319" y="1431332"/>
-            <a:ext cx="3790950" cy="582934"/>
+            <a:off x="3586588" y="1396052"/>
+            <a:ext cx="1582824" cy="582934"/>
           </a:xfrm>
           <a:prstGeom prst="rect">
             <a:avLst/>
@@ -21272,6 +19465,116 @@
               </a:rPr>
               <a:t>pstream</a:t>
             </a:r>
+          </a:p>
+        </p:txBody>
+      </p:sp>
+      <p:cxnSp>
+        <p:nvCxnSpPr>
+          <p:cNvPr id="9" name="Straight Arrow Connector 8">
+            <a:extLst>
+              <a:ext uri="{FF2B5EF4-FFF2-40B4-BE49-F238E27FC236}">
+                <a16:creationId xmlns:a16="http://schemas.microsoft.com/office/drawing/2014/main" id="{8D8206C5-6607-2540-A7FD-903BA3F9B4DD}"/>
+              </a:ext>
+            </a:extLst>
+          </p:cNvPr>
+          <p:cNvCxnSpPr>
+            <a:cxnSpLocks/>
+          </p:cNvCxnSpPr>
+          <p:nvPr/>
+        </p:nvCxnSpPr>
+        <p:spPr>
+          <a:xfrm>
+            <a:off x="4551933" y="2107078"/>
+            <a:ext cx="506331" cy="384281"/>
+          </a:xfrm>
+          <a:prstGeom prst="straightConnector1">
+            <a:avLst/>
+          </a:prstGeom>
+          <a:ln w="25400" cmpd="sng">
+            <a:solidFill>
+              <a:srgbClr val="00B050"/>
+            </a:solidFill>
+            <a:tailEnd type="stealth" w="lg" len="lg"/>
+          </a:ln>
+        </p:spPr>
+        <p:style>
+          <a:lnRef idx="1">
+            <a:schemeClr val="accent1"/>
+          </a:lnRef>
+          <a:fillRef idx="0">
+            <a:schemeClr val="accent1"/>
+          </a:fillRef>
+          <a:effectRef idx="0">
+            <a:schemeClr val="accent1"/>
+          </a:effectRef>
+          <a:fontRef idx="minor">
+            <a:schemeClr val="tx1"/>
+          </a:fontRef>
+        </p:style>
+      </p:cxnSp>
+      <p:sp>
+        <p:nvSpPr>
+          <p:cNvPr id="12" name="Rectangle 11">
+            <a:extLst>
+              <a:ext uri="{FF2B5EF4-FFF2-40B4-BE49-F238E27FC236}">
+                <a16:creationId xmlns:a16="http://schemas.microsoft.com/office/drawing/2014/main" id="{3F6C6097-C215-B043-9B42-A74F30A14C7B}"/>
+              </a:ext>
+            </a:extLst>
+          </p:cNvPr>
+          <p:cNvSpPr/>
+          <p:nvPr/>
+        </p:nvSpPr>
+        <p:spPr>
+          <a:xfrm>
+            <a:off x="3586587" y="685025"/>
+            <a:ext cx="3037097" cy="582934"/>
+          </a:xfrm>
+          <a:prstGeom prst="rect">
+            <a:avLst/>
+          </a:prstGeom>
+          <a:solidFill>
+            <a:schemeClr val="tx2">
+              <a:lumMod val="20000"/>
+              <a:lumOff val="80000"/>
+            </a:schemeClr>
+          </a:solidFill>
+          <a:ln>
+            <a:noFill/>
+          </a:ln>
+        </p:spPr>
+        <p:style>
+          <a:lnRef idx="2">
+            <a:schemeClr val="accent1">
+              <a:shade val="50000"/>
+            </a:schemeClr>
+          </a:lnRef>
+          <a:fillRef idx="1">
+            <a:schemeClr val="accent1"/>
+          </a:fillRef>
+          <a:effectRef idx="0">
+            <a:schemeClr val="accent1"/>
+          </a:effectRef>
+          <a:fontRef idx="minor">
+            <a:schemeClr val="lt1"/>
+          </a:fontRef>
+        </p:style>
+        <p:txBody>
+          <a:bodyPr rtlCol="0" anchor="ctr"/>
+          <a:lstStyle/>
+          <a:p>
+            <a:r>
+              <a:rPr lang="en-US" dirty="0">
+                <a:solidFill>
+                  <a:schemeClr val="tx1"/>
+                </a:solidFill>
+              </a:rPr>
+              <a:t>It is new, need to set upstream</a:t>
+            </a:r>
+            <a:endParaRPr lang="en-NL" dirty="0">
+              <a:solidFill>
+                <a:schemeClr val="tx1"/>
+              </a:solidFill>
+            </a:endParaRPr>
           </a:p>
         </p:txBody>
       </p:sp>
